--- a/网易云微信小程序.pptx
+++ b/网易云微信小程序.pptx
@@ -9,6 +9,7 @@
     <p:sldId id="257" r:id="rId3"/>
     <p:sldId id="258" r:id="rId4"/>
     <p:sldId id="259" r:id="rId5"/>
+    <p:sldId id="260" r:id="rId6"/>
   </p:sldIdLst>
   <p:sldSz cx="12192000" cy="6858000"/>
   <p:notesSz cx="6858000" cy="9144000"/>
@@ -262,7 +263,7 @@
           <a:p>
             <a:fld id="{1C3897A5-2615-4281-B766-0EDC083ED477}" type="datetimeFigureOut">
               <a:rPr lang="zh-CN" altLang="en-US" smtClean="0"/>
-              <a:t>2021/6/22</a:t>
+              <a:t>2021/6/27</a:t>
             </a:fld>
             <a:endParaRPr lang="zh-CN" altLang="en-US"/>
           </a:p>
@@ -460,7 +461,7 @@
           <a:p>
             <a:fld id="{1C3897A5-2615-4281-B766-0EDC083ED477}" type="datetimeFigureOut">
               <a:rPr lang="zh-CN" altLang="en-US" smtClean="0"/>
-              <a:t>2021/6/22</a:t>
+              <a:t>2021/6/27</a:t>
             </a:fld>
             <a:endParaRPr lang="zh-CN" altLang="en-US"/>
           </a:p>
@@ -668,7 +669,7 @@
           <a:p>
             <a:fld id="{1C3897A5-2615-4281-B766-0EDC083ED477}" type="datetimeFigureOut">
               <a:rPr lang="zh-CN" altLang="en-US" smtClean="0"/>
-              <a:t>2021/6/22</a:t>
+              <a:t>2021/6/27</a:t>
             </a:fld>
             <a:endParaRPr lang="zh-CN" altLang="en-US"/>
           </a:p>
@@ -866,7 +867,7 @@
           <a:p>
             <a:fld id="{1C3897A5-2615-4281-B766-0EDC083ED477}" type="datetimeFigureOut">
               <a:rPr lang="zh-CN" altLang="en-US" smtClean="0"/>
-              <a:t>2021/6/22</a:t>
+              <a:t>2021/6/27</a:t>
             </a:fld>
             <a:endParaRPr lang="zh-CN" altLang="en-US"/>
           </a:p>
@@ -1141,7 +1142,7 @@
           <a:p>
             <a:fld id="{1C3897A5-2615-4281-B766-0EDC083ED477}" type="datetimeFigureOut">
               <a:rPr lang="zh-CN" altLang="en-US" smtClean="0"/>
-              <a:t>2021/6/22</a:t>
+              <a:t>2021/6/27</a:t>
             </a:fld>
             <a:endParaRPr lang="zh-CN" altLang="en-US"/>
           </a:p>
@@ -1406,7 +1407,7 @@
           <a:p>
             <a:fld id="{1C3897A5-2615-4281-B766-0EDC083ED477}" type="datetimeFigureOut">
               <a:rPr lang="zh-CN" altLang="en-US" smtClean="0"/>
-              <a:t>2021/6/22</a:t>
+              <a:t>2021/6/27</a:t>
             </a:fld>
             <a:endParaRPr lang="zh-CN" altLang="en-US"/>
           </a:p>
@@ -1818,7 +1819,7 @@
           <a:p>
             <a:fld id="{1C3897A5-2615-4281-B766-0EDC083ED477}" type="datetimeFigureOut">
               <a:rPr lang="zh-CN" altLang="en-US" smtClean="0"/>
-              <a:t>2021/6/22</a:t>
+              <a:t>2021/6/27</a:t>
             </a:fld>
             <a:endParaRPr lang="zh-CN" altLang="en-US"/>
           </a:p>
@@ -1959,7 +1960,7 @@
           <a:p>
             <a:fld id="{1C3897A5-2615-4281-B766-0EDC083ED477}" type="datetimeFigureOut">
               <a:rPr lang="zh-CN" altLang="en-US" smtClean="0"/>
-              <a:t>2021/6/22</a:t>
+              <a:t>2021/6/27</a:t>
             </a:fld>
             <a:endParaRPr lang="zh-CN" altLang="en-US"/>
           </a:p>
@@ -2072,7 +2073,7 @@
           <a:p>
             <a:fld id="{1C3897A5-2615-4281-B766-0EDC083ED477}" type="datetimeFigureOut">
               <a:rPr lang="zh-CN" altLang="en-US" smtClean="0"/>
-              <a:t>2021/6/22</a:t>
+              <a:t>2021/6/27</a:t>
             </a:fld>
             <a:endParaRPr lang="zh-CN" altLang="en-US"/>
           </a:p>
@@ -2383,7 +2384,7 @@
           <a:p>
             <a:fld id="{1C3897A5-2615-4281-B766-0EDC083ED477}" type="datetimeFigureOut">
               <a:rPr lang="zh-CN" altLang="en-US" smtClean="0"/>
-              <a:t>2021/6/22</a:t>
+              <a:t>2021/6/27</a:t>
             </a:fld>
             <a:endParaRPr lang="zh-CN" altLang="en-US"/>
           </a:p>
@@ -2671,7 +2672,7 @@
           <a:p>
             <a:fld id="{1C3897A5-2615-4281-B766-0EDC083ED477}" type="datetimeFigureOut">
               <a:rPr lang="zh-CN" altLang="en-US" smtClean="0"/>
-              <a:t>2021/6/22</a:t>
+              <a:t>2021/6/27</a:t>
             </a:fld>
             <a:endParaRPr lang="zh-CN" altLang="en-US"/>
           </a:p>
@@ -2912,7 +2913,7 @@
           <a:p>
             <a:fld id="{1C3897A5-2615-4281-B766-0EDC083ED477}" type="datetimeFigureOut">
               <a:rPr lang="zh-CN" altLang="en-US" smtClean="0"/>
-              <a:t>2021/6/22</a:t>
+              <a:t>2021/6/27</a:t>
             </a:fld>
             <a:endParaRPr lang="zh-CN" altLang="en-US"/>
           </a:p>
@@ -4858,6 +4859,222 @@
 </p:sld>
 </file>
 
+<file path=ppt/slides/slide5.xml><?xml version="1.0" encoding="utf-8"?>
+<p:sld xmlns:a="http://schemas.openxmlformats.org/drawingml/2006/main" xmlns:r="http://schemas.openxmlformats.org/officeDocument/2006/relationships" xmlns:p="http://schemas.openxmlformats.org/presentationml/2006/main">
+  <p:cSld>
+    <p:spTree>
+      <p:nvGrpSpPr>
+        <p:cNvPr id="1" name=""/>
+        <p:cNvGrpSpPr/>
+        <p:nvPr/>
+      </p:nvGrpSpPr>
+      <p:grpSpPr>
+        <a:xfrm>
+          <a:off x="0" y="0"/>
+          <a:ext cx="0" cy="0"/>
+          <a:chOff x="0" y="0"/>
+          <a:chExt cx="0" cy="0"/>
+        </a:xfrm>
+      </p:grpSpPr>
+      <p:pic>
+        <p:nvPicPr>
+          <p:cNvPr id="3" name="图片 2">
+            <a:extLst>
+              <a:ext uri="{FF2B5EF4-FFF2-40B4-BE49-F238E27FC236}">
+                <a16:creationId xmlns:a16="http://schemas.microsoft.com/office/drawing/2014/main" id="{0283A48F-0BFD-4402-B43A-7D464D8F6461}"/>
+              </a:ext>
+            </a:extLst>
+          </p:cNvPr>
+          <p:cNvPicPr>
+            <a:picLocks noChangeAspect="1"/>
+          </p:cNvPicPr>
+          <p:nvPr/>
+        </p:nvPicPr>
+        <p:blipFill>
+          <a:blip r:embed="rId2"/>
+          <a:stretch>
+            <a:fillRect/>
+          </a:stretch>
+        </p:blipFill>
+        <p:spPr>
+          <a:xfrm>
+            <a:off x="9019919" y="870771"/>
+            <a:ext cx="2488589" cy="4399682"/>
+          </a:xfrm>
+          <a:prstGeom prst="rect">
+            <a:avLst/>
+          </a:prstGeom>
+        </p:spPr>
+      </p:pic>
+      <p:pic>
+        <p:nvPicPr>
+          <p:cNvPr id="5" name="图片 4">
+            <a:extLst>
+              <a:ext uri="{FF2B5EF4-FFF2-40B4-BE49-F238E27FC236}">
+                <a16:creationId xmlns:a16="http://schemas.microsoft.com/office/drawing/2014/main" id="{0F1E079C-05AB-4979-893D-C3BA00D7712A}"/>
+              </a:ext>
+            </a:extLst>
+          </p:cNvPr>
+          <p:cNvPicPr>
+            <a:picLocks noChangeAspect="1"/>
+          </p:cNvPicPr>
+          <p:nvPr/>
+        </p:nvPicPr>
+        <p:blipFill>
+          <a:blip r:embed="rId3"/>
+          <a:stretch>
+            <a:fillRect/>
+          </a:stretch>
+        </p:blipFill>
+        <p:spPr>
+          <a:xfrm>
+            <a:off x="304800" y="885735"/>
+            <a:ext cx="8471081" cy="4369755"/>
+          </a:xfrm>
+          <a:prstGeom prst="rect">
+            <a:avLst/>
+          </a:prstGeom>
+        </p:spPr>
+      </p:pic>
+      <p:sp>
+        <p:nvSpPr>
+          <p:cNvPr id="7" name="文本框 6">
+            <a:extLst>
+              <a:ext uri="{FF2B5EF4-FFF2-40B4-BE49-F238E27FC236}">
+                <a16:creationId xmlns:a16="http://schemas.microsoft.com/office/drawing/2014/main" id="{1DB4823E-4458-4124-9AC8-111E41FC1D76}"/>
+              </a:ext>
+            </a:extLst>
+          </p:cNvPr>
+          <p:cNvSpPr txBox="1"/>
+          <p:nvPr/>
+        </p:nvSpPr>
+        <p:spPr>
+          <a:xfrm>
+            <a:off x="304801" y="286327"/>
+            <a:ext cx="2837636" cy="369332"/>
+          </a:xfrm>
+          <a:prstGeom prst="rect">
+            <a:avLst/>
+          </a:prstGeom>
+          <a:noFill/>
+        </p:spPr>
+        <p:txBody>
+          <a:bodyPr wrap="none" rtlCol="0">
+            <a:spAutoFit/>
+          </a:bodyPr>
+          <a:lstStyle/>
+          <a:p>
+            <a:r>
+              <a:rPr lang="zh-CN" altLang="en-US" dirty="0">
+                <a:solidFill>
+                  <a:srgbClr val="FF0000"/>
+                </a:solidFill>
+              </a:rPr>
+              <a:t>解决问题①</a:t>
+            </a:r>
+            <a:r>
+              <a:rPr lang="en-US" altLang="zh-CN" dirty="0">
+                <a:solidFill>
+                  <a:srgbClr val="FF0000"/>
+                </a:solidFill>
+              </a:rPr>
+              <a:t>: </a:t>
+            </a:r>
+            <a:r>
+              <a:rPr lang="zh-CN" altLang="en-US" dirty="0">
+                <a:solidFill>
+                  <a:srgbClr val="FF0000"/>
+                </a:solidFill>
+              </a:rPr>
+              <a:t>修复接口问题</a:t>
+            </a:r>
+          </a:p>
+        </p:txBody>
+      </p:sp>
+      <p:sp>
+        <p:nvSpPr>
+          <p:cNvPr id="8" name="文本框 7">
+            <a:extLst>
+              <a:ext uri="{FF2B5EF4-FFF2-40B4-BE49-F238E27FC236}">
+                <a16:creationId xmlns:a16="http://schemas.microsoft.com/office/drawing/2014/main" id="{71012054-CA47-4FA1-A1D7-A398832E9873}"/>
+              </a:ext>
+            </a:extLst>
+          </p:cNvPr>
+          <p:cNvSpPr txBox="1"/>
+          <p:nvPr/>
+        </p:nvSpPr>
+        <p:spPr>
+          <a:xfrm>
+            <a:off x="8775881" y="286327"/>
+            <a:ext cx="3443571" cy="369332"/>
+          </a:xfrm>
+          <a:prstGeom prst="rect">
+            <a:avLst/>
+          </a:prstGeom>
+          <a:noFill/>
+        </p:spPr>
+        <p:txBody>
+          <a:bodyPr wrap="none" rtlCol="0">
+            <a:spAutoFit/>
+          </a:bodyPr>
+          <a:lstStyle/>
+          <a:p>
+            <a:r>
+              <a:rPr lang="zh-CN" altLang="en-US" dirty="0">
+                <a:solidFill>
+                  <a:srgbClr val="FF0000"/>
+                </a:solidFill>
+              </a:rPr>
+              <a:t>解决问题②</a:t>
+            </a:r>
+            <a:r>
+              <a:rPr lang="en-US" altLang="zh-CN" dirty="0">
+                <a:solidFill>
+                  <a:srgbClr val="FF0000"/>
+                </a:solidFill>
+              </a:rPr>
+              <a:t>: </a:t>
+            </a:r>
+            <a:r>
+              <a:rPr lang="zh-CN" altLang="en-US" dirty="0">
+                <a:solidFill>
+                  <a:srgbClr val="FF0000"/>
+                </a:solidFill>
+              </a:rPr>
+              <a:t>优化</a:t>
+            </a:r>
+            <a:r>
+              <a:rPr lang="en-US" altLang="zh-CN" dirty="0">
+                <a:solidFill>
+                  <a:srgbClr val="FF0000"/>
+                </a:solidFill>
+              </a:rPr>
+              <a:t>detail</a:t>
+            </a:r>
+            <a:r>
+              <a:rPr lang="zh-CN" altLang="en-US" dirty="0">
+                <a:solidFill>
+                  <a:srgbClr val="FF0000"/>
+                </a:solidFill>
+              </a:rPr>
+              <a:t>部分样式 </a:t>
+            </a:r>
+          </a:p>
+        </p:txBody>
+      </p:sp>
+    </p:spTree>
+    <p:extLst>
+      <p:ext uri="{BB962C8B-B14F-4D97-AF65-F5344CB8AC3E}">
+        <p14:creationId xmlns:p14="http://schemas.microsoft.com/office/powerpoint/2010/main" val="810104700"/>
+      </p:ext>
+    </p:extLst>
+  </p:cSld>
+  <p:clrMapOvr>
+    <a:masterClrMapping/>
+  </p:clrMapOvr>
+</p:sld>
+</file>
+
 <file path=ppt/theme/theme1.xml><?xml version="1.0" encoding="utf-8"?>
 <a:theme xmlns:a="http://schemas.openxmlformats.org/drawingml/2006/main" name="Office 主题​​">
   <a:themeElements>

--- a/网易云微信小程序.pptx
+++ b/网易云微信小程序.pptx
@@ -10,6 +10,7 @@
     <p:sldId id="258" r:id="rId4"/>
     <p:sldId id="259" r:id="rId5"/>
     <p:sldId id="260" r:id="rId6"/>
+    <p:sldId id="261" r:id="rId7"/>
   </p:sldIdLst>
   <p:sldSz cx="12192000" cy="6858000"/>
   <p:notesSz cx="6858000" cy="9144000"/>
@@ -263,7 +264,7 @@
           <a:p>
             <a:fld id="{1C3897A5-2615-4281-B766-0EDC083ED477}" type="datetimeFigureOut">
               <a:rPr lang="zh-CN" altLang="en-US" smtClean="0"/>
-              <a:t>2021/6/27</a:t>
+              <a:t>2021/7/9</a:t>
             </a:fld>
             <a:endParaRPr lang="zh-CN" altLang="en-US"/>
           </a:p>
@@ -461,7 +462,7 @@
           <a:p>
             <a:fld id="{1C3897A5-2615-4281-B766-0EDC083ED477}" type="datetimeFigureOut">
               <a:rPr lang="zh-CN" altLang="en-US" smtClean="0"/>
-              <a:t>2021/6/27</a:t>
+              <a:t>2021/7/9</a:t>
             </a:fld>
             <a:endParaRPr lang="zh-CN" altLang="en-US"/>
           </a:p>
@@ -669,7 +670,7 @@
           <a:p>
             <a:fld id="{1C3897A5-2615-4281-B766-0EDC083ED477}" type="datetimeFigureOut">
               <a:rPr lang="zh-CN" altLang="en-US" smtClean="0"/>
-              <a:t>2021/6/27</a:t>
+              <a:t>2021/7/9</a:t>
             </a:fld>
             <a:endParaRPr lang="zh-CN" altLang="en-US"/>
           </a:p>
@@ -867,7 +868,7 @@
           <a:p>
             <a:fld id="{1C3897A5-2615-4281-B766-0EDC083ED477}" type="datetimeFigureOut">
               <a:rPr lang="zh-CN" altLang="en-US" smtClean="0"/>
-              <a:t>2021/6/27</a:t>
+              <a:t>2021/7/9</a:t>
             </a:fld>
             <a:endParaRPr lang="zh-CN" altLang="en-US"/>
           </a:p>
@@ -1142,7 +1143,7 @@
           <a:p>
             <a:fld id="{1C3897A5-2615-4281-B766-0EDC083ED477}" type="datetimeFigureOut">
               <a:rPr lang="zh-CN" altLang="en-US" smtClean="0"/>
-              <a:t>2021/6/27</a:t>
+              <a:t>2021/7/9</a:t>
             </a:fld>
             <a:endParaRPr lang="zh-CN" altLang="en-US"/>
           </a:p>
@@ -1407,7 +1408,7 @@
           <a:p>
             <a:fld id="{1C3897A5-2615-4281-B766-0EDC083ED477}" type="datetimeFigureOut">
               <a:rPr lang="zh-CN" altLang="en-US" smtClean="0"/>
-              <a:t>2021/6/27</a:t>
+              <a:t>2021/7/9</a:t>
             </a:fld>
             <a:endParaRPr lang="zh-CN" altLang="en-US"/>
           </a:p>
@@ -1819,7 +1820,7 @@
           <a:p>
             <a:fld id="{1C3897A5-2615-4281-B766-0EDC083ED477}" type="datetimeFigureOut">
               <a:rPr lang="zh-CN" altLang="en-US" smtClean="0"/>
-              <a:t>2021/6/27</a:t>
+              <a:t>2021/7/9</a:t>
             </a:fld>
             <a:endParaRPr lang="zh-CN" altLang="en-US"/>
           </a:p>
@@ -1960,7 +1961,7 @@
           <a:p>
             <a:fld id="{1C3897A5-2615-4281-B766-0EDC083ED477}" type="datetimeFigureOut">
               <a:rPr lang="zh-CN" altLang="en-US" smtClean="0"/>
-              <a:t>2021/6/27</a:t>
+              <a:t>2021/7/9</a:t>
             </a:fld>
             <a:endParaRPr lang="zh-CN" altLang="en-US"/>
           </a:p>
@@ -2073,7 +2074,7 @@
           <a:p>
             <a:fld id="{1C3897A5-2615-4281-B766-0EDC083ED477}" type="datetimeFigureOut">
               <a:rPr lang="zh-CN" altLang="en-US" smtClean="0"/>
-              <a:t>2021/6/27</a:t>
+              <a:t>2021/7/9</a:t>
             </a:fld>
             <a:endParaRPr lang="zh-CN" altLang="en-US"/>
           </a:p>
@@ -2384,7 +2385,7 @@
           <a:p>
             <a:fld id="{1C3897A5-2615-4281-B766-0EDC083ED477}" type="datetimeFigureOut">
               <a:rPr lang="zh-CN" altLang="en-US" smtClean="0"/>
-              <a:t>2021/6/27</a:t>
+              <a:t>2021/7/9</a:t>
             </a:fld>
             <a:endParaRPr lang="zh-CN" altLang="en-US"/>
           </a:p>
@@ -2672,7 +2673,7 @@
           <a:p>
             <a:fld id="{1C3897A5-2615-4281-B766-0EDC083ED477}" type="datetimeFigureOut">
               <a:rPr lang="zh-CN" altLang="en-US" smtClean="0"/>
-              <a:t>2021/6/27</a:t>
+              <a:t>2021/7/9</a:t>
             </a:fld>
             <a:endParaRPr lang="zh-CN" altLang="en-US"/>
           </a:p>
@@ -2913,7 +2914,7 @@
           <a:p>
             <a:fld id="{1C3897A5-2615-4281-B766-0EDC083ED477}" type="datetimeFigureOut">
               <a:rPr lang="zh-CN" altLang="en-US" smtClean="0"/>
-              <a:t>2021/6/27</a:t>
+              <a:t>2021/7/9</a:t>
             </a:fld>
             <a:endParaRPr lang="zh-CN" altLang="en-US"/>
           </a:p>
@@ -5075,6 +5076,151 @@
 </p:sld>
 </file>
 
+<file path=ppt/slides/slide6.xml><?xml version="1.0" encoding="utf-8"?>
+<p:sld xmlns:a="http://schemas.openxmlformats.org/drawingml/2006/main" xmlns:r="http://schemas.openxmlformats.org/officeDocument/2006/relationships" xmlns:p="http://schemas.openxmlformats.org/presentationml/2006/main">
+  <p:cSld>
+    <p:spTree>
+      <p:nvGrpSpPr>
+        <p:cNvPr id="1" name=""/>
+        <p:cNvGrpSpPr/>
+        <p:nvPr/>
+      </p:nvGrpSpPr>
+      <p:grpSpPr>
+        <a:xfrm>
+          <a:off x="0" y="0"/>
+          <a:ext cx="0" cy="0"/>
+          <a:chOff x="0" y="0"/>
+          <a:chExt cx="0" cy="0"/>
+        </a:xfrm>
+      </p:grpSpPr>
+      <p:pic>
+        <p:nvPicPr>
+          <p:cNvPr id="3" name="图片 2">
+            <a:extLst>
+              <a:ext uri="{FF2B5EF4-FFF2-40B4-BE49-F238E27FC236}">
+                <a16:creationId xmlns:a16="http://schemas.microsoft.com/office/drawing/2014/main" id="{846D7748-A03D-407C-A5EB-64408F02F716}"/>
+              </a:ext>
+            </a:extLst>
+          </p:cNvPr>
+          <p:cNvPicPr>
+            <a:picLocks noChangeAspect="1"/>
+          </p:cNvPicPr>
+          <p:nvPr/>
+        </p:nvPicPr>
+        <p:blipFill>
+          <a:blip r:embed="rId2"/>
+          <a:stretch>
+            <a:fillRect/>
+          </a:stretch>
+        </p:blipFill>
+        <p:spPr>
+          <a:xfrm>
+            <a:off x="729011" y="737117"/>
+            <a:ext cx="2909539" cy="5199128"/>
+          </a:xfrm>
+          <a:prstGeom prst="rect">
+            <a:avLst/>
+          </a:prstGeom>
+        </p:spPr>
+      </p:pic>
+      <p:sp>
+        <p:nvSpPr>
+          <p:cNvPr id="6" name="文本框 5">
+            <a:extLst>
+              <a:ext uri="{FF2B5EF4-FFF2-40B4-BE49-F238E27FC236}">
+                <a16:creationId xmlns:a16="http://schemas.microsoft.com/office/drawing/2014/main" id="{FA491CF0-6D57-4CE3-8671-60293CA5B1DD}"/>
+              </a:ext>
+            </a:extLst>
+          </p:cNvPr>
+          <p:cNvSpPr txBox="1"/>
+          <p:nvPr/>
+        </p:nvSpPr>
+        <p:spPr>
+          <a:xfrm>
+            <a:off x="304801" y="286327"/>
+            <a:ext cx="2837636" cy="369332"/>
+          </a:xfrm>
+          <a:prstGeom prst="rect">
+            <a:avLst/>
+          </a:prstGeom>
+          <a:noFill/>
+        </p:spPr>
+        <p:txBody>
+          <a:bodyPr wrap="none" rtlCol="0">
+            <a:spAutoFit/>
+          </a:bodyPr>
+          <a:lstStyle/>
+          <a:p>
+            <a:r>
+              <a:rPr lang="zh-CN" altLang="en-US" dirty="0">
+                <a:solidFill>
+                  <a:srgbClr val="FF0000"/>
+                </a:solidFill>
+              </a:rPr>
+              <a:t>解决问题③</a:t>
+            </a:r>
+            <a:r>
+              <a:rPr lang="en-US" altLang="zh-CN" dirty="0">
+                <a:solidFill>
+                  <a:srgbClr val="FF0000"/>
+                </a:solidFill>
+              </a:rPr>
+              <a:t>: </a:t>
+            </a:r>
+            <a:r>
+              <a:rPr lang="zh-CN" altLang="en-US" dirty="0">
+                <a:solidFill>
+                  <a:srgbClr val="FF0000"/>
+                </a:solidFill>
+              </a:rPr>
+              <a:t>增加登录模块</a:t>
+            </a:r>
+          </a:p>
+        </p:txBody>
+      </p:sp>
+      <p:pic>
+        <p:nvPicPr>
+          <p:cNvPr id="8" name="图片 7">
+            <a:extLst>
+              <a:ext uri="{FF2B5EF4-FFF2-40B4-BE49-F238E27FC236}">
+                <a16:creationId xmlns:a16="http://schemas.microsoft.com/office/drawing/2014/main" id="{51561116-2C57-43DE-B1C2-6D53D877041D}"/>
+              </a:ext>
+            </a:extLst>
+          </p:cNvPr>
+          <p:cNvPicPr>
+            <a:picLocks noChangeAspect="1"/>
+          </p:cNvPicPr>
+          <p:nvPr/>
+        </p:nvPicPr>
+        <p:blipFill>
+          <a:blip r:embed="rId3"/>
+          <a:stretch>
+            <a:fillRect/>
+          </a:stretch>
+        </p:blipFill>
+        <p:spPr>
+          <a:xfrm>
+            <a:off x="3638550" y="775217"/>
+            <a:ext cx="2914050" cy="5161028"/>
+          </a:xfrm>
+          <a:prstGeom prst="rect">
+            <a:avLst/>
+          </a:prstGeom>
+        </p:spPr>
+      </p:pic>
+    </p:spTree>
+    <p:extLst>
+      <p:ext uri="{BB962C8B-B14F-4D97-AF65-F5344CB8AC3E}">
+        <p14:creationId xmlns:p14="http://schemas.microsoft.com/office/powerpoint/2010/main" val="2375919708"/>
+      </p:ext>
+    </p:extLst>
+  </p:cSld>
+  <p:clrMapOvr>
+    <a:masterClrMapping/>
+  </p:clrMapOvr>
+</p:sld>
+</file>
+
 <file path=ppt/theme/theme1.xml><?xml version="1.0" encoding="utf-8"?>
 <a:theme xmlns:a="http://schemas.openxmlformats.org/drawingml/2006/main" name="Office 主题​​">
   <a:themeElements>

--- a/网易云微信小程序.pptx
+++ b/网易云微信小程序.pptx
@@ -264,7 +264,7 @@
           <a:p>
             <a:fld id="{1C3897A5-2615-4281-B766-0EDC083ED477}" type="datetimeFigureOut">
               <a:rPr lang="zh-CN" altLang="en-US" smtClean="0"/>
-              <a:t>2021/7/9</a:t>
+              <a:t>2021/7/11</a:t>
             </a:fld>
             <a:endParaRPr lang="zh-CN" altLang="en-US"/>
           </a:p>
@@ -462,7 +462,7 @@
           <a:p>
             <a:fld id="{1C3897A5-2615-4281-B766-0EDC083ED477}" type="datetimeFigureOut">
               <a:rPr lang="zh-CN" altLang="en-US" smtClean="0"/>
-              <a:t>2021/7/9</a:t>
+              <a:t>2021/7/11</a:t>
             </a:fld>
             <a:endParaRPr lang="zh-CN" altLang="en-US"/>
           </a:p>
@@ -670,7 +670,7 @@
           <a:p>
             <a:fld id="{1C3897A5-2615-4281-B766-0EDC083ED477}" type="datetimeFigureOut">
               <a:rPr lang="zh-CN" altLang="en-US" smtClean="0"/>
-              <a:t>2021/7/9</a:t>
+              <a:t>2021/7/11</a:t>
             </a:fld>
             <a:endParaRPr lang="zh-CN" altLang="en-US"/>
           </a:p>
@@ -868,7 +868,7 @@
           <a:p>
             <a:fld id="{1C3897A5-2615-4281-B766-0EDC083ED477}" type="datetimeFigureOut">
               <a:rPr lang="zh-CN" altLang="en-US" smtClean="0"/>
-              <a:t>2021/7/9</a:t>
+              <a:t>2021/7/11</a:t>
             </a:fld>
             <a:endParaRPr lang="zh-CN" altLang="en-US"/>
           </a:p>
@@ -1143,7 +1143,7 @@
           <a:p>
             <a:fld id="{1C3897A5-2615-4281-B766-0EDC083ED477}" type="datetimeFigureOut">
               <a:rPr lang="zh-CN" altLang="en-US" smtClean="0"/>
-              <a:t>2021/7/9</a:t>
+              <a:t>2021/7/11</a:t>
             </a:fld>
             <a:endParaRPr lang="zh-CN" altLang="en-US"/>
           </a:p>
@@ -1408,7 +1408,7 @@
           <a:p>
             <a:fld id="{1C3897A5-2615-4281-B766-0EDC083ED477}" type="datetimeFigureOut">
               <a:rPr lang="zh-CN" altLang="en-US" smtClean="0"/>
-              <a:t>2021/7/9</a:t>
+              <a:t>2021/7/11</a:t>
             </a:fld>
             <a:endParaRPr lang="zh-CN" altLang="en-US"/>
           </a:p>
@@ -1820,7 +1820,7 @@
           <a:p>
             <a:fld id="{1C3897A5-2615-4281-B766-0EDC083ED477}" type="datetimeFigureOut">
               <a:rPr lang="zh-CN" altLang="en-US" smtClean="0"/>
-              <a:t>2021/7/9</a:t>
+              <a:t>2021/7/11</a:t>
             </a:fld>
             <a:endParaRPr lang="zh-CN" altLang="en-US"/>
           </a:p>
@@ -1961,7 +1961,7 @@
           <a:p>
             <a:fld id="{1C3897A5-2615-4281-B766-0EDC083ED477}" type="datetimeFigureOut">
               <a:rPr lang="zh-CN" altLang="en-US" smtClean="0"/>
-              <a:t>2021/7/9</a:t>
+              <a:t>2021/7/11</a:t>
             </a:fld>
             <a:endParaRPr lang="zh-CN" altLang="en-US"/>
           </a:p>
@@ -2074,7 +2074,7 @@
           <a:p>
             <a:fld id="{1C3897A5-2615-4281-B766-0EDC083ED477}" type="datetimeFigureOut">
               <a:rPr lang="zh-CN" altLang="en-US" smtClean="0"/>
-              <a:t>2021/7/9</a:t>
+              <a:t>2021/7/11</a:t>
             </a:fld>
             <a:endParaRPr lang="zh-CN" altLang="en-US"/>
           </a:p>
@@ -2385,7 +2385,7 @@
           <a:p>
             <a:fld id="{1C3897A5-2615-4281-B766-0EDC083ED477}" type="datetimeFigureOut">
               <a:rPr lang="zh-CN" altLang="en-US" smtClean="0"/>
-              <a:t>2021/7/9</a:t>
+              <a:t>2021/7/11</a:t>
             </a:fld>
             <a:endParaRPr lang="zh-CN" altLang="en-US"/>
           </a:p>
@@ -2673,7 +2673,7 @@
           <a:p>
             <a:fld id="{1C3897A5-2615-4281-B766-0EDC083ED477}" type="datetimeFigureOut">
               <a:rPr lang="zh-CN" altLang="en-US" smtClean="0"/>
-              <a:t>2021/7/9</a:t>
+              <a:t>2021/7/11</a:t>
             </a:fld>
             <a:endParaRPr lang="zh-CN" altLang="en-US"/>
           </a:p>
@@ -2914,7 +2914,7 @@
           <a:p>
             <a:fld id="{1C3897A5-2615-4281-B766-0EDC083ED477}" type="datetimeFigureOut">
               <a:rPr lang="zh-CN" altLang="en-US" smtClean="0"/>
-              <a:t>2021/7/9</a:t>
+              <a:t>2021/7/11</a:t>
             </a:fld>
             <a:endParaRPr lang="zh-CN" altLang="en-US"/>
           </a:p>
@@ -5093,12 +5093,67 @@
           <a:chExt cx="0" cy="0"/>
         </a:xfrm>
       </p:grpSpPr>
+      <p:sp>
+        <p:nvSpPr>
+          <p:cNvPr id="6" name="文本框 5">
+            <a:extLst>
+              <a:ext uri="{FF2B5EF4-FFF2-40B4-BE49-F238E27FC236}">
+                <a16:creationId xmlns:a16="http://schemas.microsoft.com/office/drawing/2014/main" id="{FA491CF0-6D57-4CE3-8671-60293CA5B1DD}"/>
+              </a:ext>
+            </a:extLst>
+          </p:cNvPr>
+          <p:cNvSpPr txBox="1"/>
+          <p:nvPr/>
+        </p:nvSpPr>
+        <p:spPr>
+          <a:xfrm>
+            <a:off x="704851" y="296429"/>
+            <a:ext cx="2837636" cy="369332"/>
+          </a:xfrm>
+          <a:prstGeom prst="rect">
+            <a:avLst/>
+          </a:prstGeom>
+          <a:noFill/>
+        </p:spPr>
+        <p:txBody>
+          <a:bodyPr wrap="none" rtlCol="0">
+            <a:spAutoFit/>
+          </a:bodyPr>
+          <a:lstStyle/>
+          <a:p>
+            <a:r>
+              <a:rPr lang="zh-CN" altLang="en-US" dirty="0">
+                <a:solidFill>
+                  <a:srgbClr val="FF0000"/>
+                </a:solidFill>
+              </a:rPr>
+              <a:t>解决问题③</a:t>
+            </a:r>
+            <a:r>
+              <a:rPr lang="en-US" altLang="zh-CN" dirty="0">
+                <a:solidFill>
+                  <a:srgbClr val="FF0000"/>
+                </a:solidFill>
+              </a:rPr>
+              <a:t>: </a:t>
+            </a:r>
+            <a:r>
+              <a:rPr lang="zh-CN" altLang="en-US" dirty="0">
+                <a:solidFill>
+                  <a:srgbClr val="FF0000"/>
+                </a:solidFill>
+              </a:rPr>
+              <a:t>增加登录模块</a:t>
+            </a:r>
+          </a:p>
+        </p:txBody>
+      </p:sp>
       <p:pic>
         <p:nvPicPr>
-          <p:cNvPr id="3" name="图片 2">
-            <a:extLst>
-              <a:ext uri="{FF2B5EF4-FFF2-40B4-BE49-F238E27FC236}">
-                <a16:creationId xmlns:a16="http://schemas.microsoft.com/office/drawing/2014/main" id="{846D7748-A03D-407C-A5EB-64408F02F716}"/>
+          <p:cNvPr id="4" name="图片 3">
+            <a:extLst>
+              <a:ext uri="{FF2B5EF4-FFF2-40B4-BE49-F238E27FC236}">
+                <a16:creationId xmlns:a16="http://schemas.microsoft.com/office/drawing/2014/main" id="{36180DCA-6964-4880-9F4E-ADAB789694FD}"/>
               </a:ext>
             </a:extLst>
           </p:cNvPr>
@@ -5108,15 +5163,21 @@
           <p:nvPr/>
         </p:nvPicPr>
         <p:blipFill>
-          <a:blip r:embed="rId2"/>
+          <a:blip r:embed="rId2">
+            <a:extLst>
+              <a:ext uri="{28A0092B-C50C-407E-A947-70E740481C1C}">
+                <a14:useLocalDpi xmlns:a14="http://schemas.microsoft.com/office/drawing/2010/main" val="0"/>
+              </a:ext>
+            </a:extLst>
+          </a:blip>
           <a:stretch>
             <a:fillRect/>
           </a:stretch>
         </p:blipFill>
         <p:spPr>
           <a:xfrm>
-            <a:off x="729011" y="737117"/>
-            <a:ext cx="2909539" cy="5199128"/>
+            <a:off x="773624" y="786538"/>
+            <a:ext cx="3134531" cy="5531525"/>
           </a:xfrm>
           <a:prstGeom prst="rect">
             <a:avLst/>
@@ -5125,10 +5186,10 @@
       </p:pic>
       <p:sp>
         <p:nvSpPr>
-          <p:cNvPr id="6" name="文本框 5">
-            <a:extLst>
-              <a:ext uri="{FF2B5EF4-FFF2-40B4-BE49-F238E27FC236}">
-                <a16:creationId xmlns:a16="http://schemas.microsoft.com/office/drawing/2014/main" id="{FA491CF0-6D57-4CE3-8671-60293CA5B1DD}"/>
+          <p:cNvPr id="5" name="文本框 4">
+            <a:extLst>
+              <a:ext uri="{FF2B5EF4-FFF2-40B4-BE49-F238E27FC236}">
+                <a16:creationId xmlns:a16="http://schemas.microsoft.com/office/drawing/2014/main" id="{D379FD34-F80E-49ED-AD8B-2E5A6D44C05D}"/>
               </a:ext>
             </a:extLst>
           </p:cNvPr>
@@ -5137,8 +5198,8 @@
         </p:nvSpPr>
         <p:spPr>
           <a:xfrm>
-            <a:off x="304801" y="286327"/>
-            <a:ext cx="2837636" cy="369332"/>
+            <a:off x="6734176" y="286327"/>
+            <a:ext cx="4015843" cy="369332"/>
           </a:xfrm>
           <a:prstGeom prst="rect">
             <a:avLst/>
@@ -5157,7 +5218,7 @@
                   <a:srgbClr val="FF0000"/>
                 </a:solidFill>
               </a:rPr>
-              <a:t>解决问题③</a:t>
+              <a:t>解决问题④</a:t>
             </a:r>
             <a:r>
               <a:rPr lang="en-US" altLang="zh-CN" dirty="0">
@@ -5173,17 +5234,33 @@
                   <a:srgbClr val="FF0000"/>
                 </a:solidFill>
               </a:rPr>
-              <a:t>增加登录模块</a:t>
+              <a:t>增加</a:t>
+            </a:r>
+            <a:r>
+              <a:rPr lang="en-US" altLang="zh-CN" dirty="0" err="1">
+                <a:solidFill>
+                  <a:srgbClr val="FF0000"/>
+                </a:solidFill>
+              </a:rPr>
+              <a:t>detail.vue</a:t>
+            </a:r>
+            <a:r>
+              <a:rPr lang="zh-CN" altLang="en-US" dirty="0">
+                <a:solidFill>
+                  <a:srgbClr val="FF0000"/>
+                </a:solidFill>
+              </a:rPr>
+              <a:t>底部播放栏</a:t>
             </a:r>
           </a:p>
         </p:txBody>
       </p:sp>
       <p:pic>
         <p:nvPicPr>
-          <p:cNvPr id="8" name="图片 7">
-            <a:extLst>
-              <a:ext uri="{FF2B5EF4-FFF2-40B4-BE49-F238E27FC236}">
-                <a16:creationId xmlns:a16="http://schemas.microsoft.com/office/drawing/2014/main" id="{51561116-2C57-43DE-B1C2-6D53D877041D}"/>
+          <p:cNvPr id="3" name="图片 2">
+            <a:extLst>
+              <a:ext uri="{FF2B5EF4-FFF2-40B4-BE49-F238E27FC236}">
+                <a16:creationId xmlns:a16="http://schemas.microsoft.com/office/drawing/2014/main" id="{E73BD4FA-AE9D-402D-AD36-3F385E555946}"/>
               </a:ext>
             </a:extLst>
           </p:cNvPr>
@@ -5200,8 +5277,8 @@
         </p:blipFill>
         <p:spPr>
           <a:xfrm>
-            <a:off x="3638550" y="775217"/>
-            <a:ext cx="2914050" cy="5161028"/>
+            <a:off x="6842832" y="786539"/>
+            <a:ext cx="3138294" cy="5531525"/>
           </a:xfrm>
           <a:prstGeom prst="rect">
             <a:avLst/>

--- a/网易云微信小程序.pptx
+++ b/网易云微信小程序.pptx
@@ -264,7 +264,7 @@
           <a:p>
             <a:fld id="{1C3897A5-2615-4281-B766-0EDC083ED477}" type="datetimeFigureOut">
               <a:rPr lang="zh-CN" altLang="en-US" smtClean="0"/>
-              <a:t>2021/7/11</a:t>
+              <a:t>2021/7/12</a:t>
             </a:fld>
             <a:endParaRPr lang="zh-CN" altLang="en-US"/>
           </a:p>
@@ -462,7 +462,7 @@
           <a:p>
             <a:fld id="{1C3897A5-2615-4281-B766-0EDC083ED477}" type="datetimeFigureOut">
               <a:rPr lang="zh-CN" altLang="en-US" smtClean="0"/>
-              <a:t>2021/7/11</a:t>
+              <a:t>2021/7/12</a:t>
             </a:fld>
             <a:endParaRPr lang="zh-CN" altLang="en-US"/>
           </a:p>
@@ -670,7 +670,7 @@
           <a:p>
             <a:fld id="{1C3897A5-2615-4281-B766-0EDC083ED477}" type="datetimeFigureOut">
               <a:rPr lang="zh-CN" altLang="en-US" smtClean="0"/>
-              <a:t>2021/7/11</a:t>
+              <a:t>2021/7/12</a:t>
             </a:fld>
             <a:endParaRPr lang="zh-CN" altLang="en-US"/>
           </a:p>
@@ -868,7 +868,7 @@
           <a:p>
             <a:fld id="{1C3897A5-2615-4281-B766-0EDC083ED477}" type="datetimeFigureOut">
               <a:rPr lang="zh-CN" altLang="en-US" smtClean="0"/>
-              <a:t>2021/7/11</a:t>
+              <a:t>2021/7/12</a:t>
             </a:fld>
             <a:endParaRPr lang="zh-CN" altLang="en-US"/>
           </a:p>
@@ -1143,7 +1143,7 @@
           <a:p>
             <a:fld id="{1C3897A5-2615-4281-B766-0EDC083ED477}" type="datetimeFigureOut">
               <a:rPr lang="zh-CN" altLang="en-US" smtClean="0"/>
-              <a:t>2021/7/11</a:t>
+              <a:t>2021/7/12</a:t>
             </a:fld>
             <a:endParaRPr lang="zh-CN" altLang="en-US"/>
           </a:p>
@@ -1408,7 +1408,7 @@
           <a:p>
             <a:fld id="{1C3897A5-2615-4281-B766-0EDC083ED477}" type="datetimeFigureOut">
               <a:rPr lang="zh-CN" altLang="en-US" smtClean="0"/>
-              <a:t>2021/7/11</a:t>
+              <a:t>2021/7/12</a:t>
             </a:fld>
             <a:endParaRPr lang="zh-CN" altLang="en-US"/>
           </a:p>
@@ -1820,7 +1820,7 @@
           <a:p>
             <a:fld id="{1C3897A5-2615-4281-B766-0EDC083ED477}" type="datetimeFigureOut">
               <a:rPr lang="zh-CN" altLang="en-US" smtClean="0"/>
-              <a:t>2021/7/11</a:t>
+              <a:t>2021/7/12</a:t>
             </a:fld>
             <a:endParaRPr lang="zh-CN" altLang="en-US"/>
           </a:p>
@@ -1961,7 +1961,7 @@
           <a:p>
             <a:fld id="{1C3897A5-2615-4281-B766-0EDC083ED477}" type="datetimeFigureOut">
               <a:rPr lang="zh-CN" altLang="en-US" smtClean="0"/>
-              <a:t>2021/7/11</a:t>
+              <a:t>2021/7/12</a:t>
             </a:fld>
             <a:endParaRPr lang="zh-CN" altLang="en-US"/>
           </a:p>
@@ -2074,7 +2074,7 @@
           <a:p>
             <a:fld id="{1C3897A5-2615-4281-B766-0EDC083ED477}" type="datetimeFigureOut">
               <a:rPr lang="zh-CN" altLang="en-US" smtClean="0"/>
-              <a:t>2021/7/11</a:t>
+              <a:t>2021/7/12</a:t>
             </a:fld>
             <a:endParaRPr lang="zh-CN" altLang="en-US"/>
           </a:p>
@@ -2385,7 +2385,7 @@
           <a:p>
             <a:fld id="{1C3897A5-2615-4281-B766-0EDC083ED477}" type="datetimeFigureOut">
               <a:rPr lang="zh-CN" altLang="en-US" smtClean="0"/>
-              <a:t>2021/7/11</a:t>
+              <a:t>2021/7/12</a:t>
             </a:fld>
             <a:endParaRPr lang="zh-CN" altLang="en-US"/>
           </a:p>
@@ -2673,7 +2673,7 @@
           <a:p>
             <a:fld id="{1C3897A5-2615-4281-B766-0EDC083ED477}" type="datetimeFigureOut">
               <a:rPr lang="zh-CN" altLang="en-US" smtClean="0"/>
-              <a:t>2021/7/11</a:t>
+              <a:t>2021/7/12</a:t>
             </a:fld>
             <a:endParaRPr lang="zh-CN" altLang="en-US"/>
           </a:p>
@@ -2914,7 +2914,7 @@
           <a:p>
             <a:fld id="{1C3897A5-2615-4281-B766-0EDC083ED477}" type="datetimeFigureOut">
               <a:rPr lang="zh-CN" altLang="en-US" smtClean="0"/>
-              <a:t>2021/7/11</a:t>
+              <a:t>2021/7/12</a:t>
             </a:fld>
             <a:endParaRPr lang="zh-CN" altLang="en-US"/>
           </a:p>

--- a/网易云微信小程序.pptx
+++ b/网易云微信小程序.pptx
@@ -4,13 +4,17 @@
   <p:sldMasterIdLst>
     <p:sldMasterId id="2147483648" r:id="rId1"/>
   </p:sldMasterIdLst>
+  <p:notesMasterIdLst>
+    <p:notesMasterId r:id="rId9"/>
+  </p:notesMasterIdLst>
   <p:sldIdLst>
     <p:sldId id="256" r:id="rId2"/>
-    <p:sldId id="257" r:id="rId3"/>
-    <p:sldId id="258" r:id="rId4"/>
-    <p:sldId id="259" r:id="rId5"/>
-    <p:sldId id="260" r:id="rId6"/>
-    <p:sldId id="261" r:id="rId7"/>
+    <p:sldId id="262" r:id="rId3"/>
+    <p:sldId id="257" r:id="rId4"/>
+    <p:sldId id="258" r:id="rId5"/>
+    <p:sldId id="259" r:id="rId6"/>
+    <p:sldId id="260" r:id="rId7"/>
+    <p:sldId id="261" r:id="rId8"/>
   </p:sldIdLst>
   <p:sldSz cx="12192000" cy="6858000"/>
   <p:notesSz cx="6858000" cy="9144000"/>
@@ -117,6 +121,439 @@
 </p:presentation>
 </file>
 
+<file path=ppt/notesMasters/notesMaster1.xml><?xml version="1.0" encoding="utf-8"?>
+<p:notesMaster xmlns:a="http://schemas.openxmlformats.org/drawingml/2006/main" xmlns:r="http://schemas.openxmlformats.org/officeDocument/2006/relationships" xmlns:p="http://schemas.openxmlformats.org/presentationml/2006/main">
+  <p:cSld>
+    <p:bg>
+      <p:bgRef idx="1001">
+        <a:schemeClr val="bg1"/>
+      </p:bgRef>
+    </p:bg>
+    <p:spTree>
+      <p:nvGrpSpPr>
+        <p:cNvPr id="1" name=""/>
+        <p:cNvGrpSpPr/>
+        <p:nvPr/>
+      </p:nvGrpSpPr>
+      <p:grpSpPr>
+        <a:xfrm>
+          <a:off x="0" y="0"/>
+          <a:ext cx="0" cy="0"/>
+          <a:chOff x="0" y="0"/>
+          <a:chExt cx="0" cy="0"/>
+        </a:xfrm>
+      </p:grpSpPr>
+      <p:sp>
+        <p:nvSpPr>
+          <p:cNvPr id="2" name="页眉占位符 1"/>
+          <p:cNvSpPr>
+            <a:spLocks noGrp="1"/>
+          </p:cNvSpPr>
+          <p:nvPr>
+            <p:ph type="hdr" sz="quarter"/>
+          </p:nvPr>
+        </p:nvSpPr>
+        <p:spPr>
+          <a:xfrm>
+            <a:off x="0" y="0"/>
+            <a:ext cx="2971800" cy="458788"/>
+          </a:xfrm>
+          <a:prstGeom prst="rect">
+            <a:avLst/>
+          </a:prstGeom>
+        </p:spPr>
+        <p:txBody>
+          <a:bodyPr vert="horz" lIns="91440" tIns="45720" rIns="91440" bIns="45720" rtlCol="0"/>
+          <a:lstStyle>
+            <a:lvl1pPr algn="l">
+              <a:defRPr sz="1200"/>
+            </a:lvl1pPr>
+          </a:lstStyle>
+          <a:p>
+            <a:endParaRPr lang="zh-CN" altLang="en-US"/>
+          </a:p>
+        </p:txBody>
+      </p:sp>
+      <p:sp>
+        <p:nvSpPr>
+          <p:cNvPr id="3" name="日期占位符 2"/>
+          <p:cNvSpPr>
+            <a:spLocks noGrp="1"/>
+          </p:cNvSpPr>
+          <p:nvPr>
+            <p:ph type="dt" idx="1"/>
+          </p:nvPr>
+        </p:nvSpPr>
+        <p:spPr>
+          <a:xfrm>
+            <a:off x="3884613" y="0"/>
+            <a:ext cx="2971800" cy="458788"/>
+          </a:xfrm>
+          <a:prstGeom prst="rect">
+            <a:avLst/>
+          </a:prstGeom>
+        </p:spPr>
+        <p:txBody>
+          <a:bodyPr vert="horz" lIns="91440" tIns="45720" rIns="91440" bIns="45720" rtlCol="0"/>
+          <a:lstStyle>
+            <a:lvl1pPr algn="r">
+              <a:defRPr sz="1200"/>
+            </a:lvl1pPr>
+          </a:lstStyle>
+          <a:p>
+            <a:fld id="{4B2BD8EE-28D0-4392-A194-2F5F257E8450}" type="datetimeFigureOut">
+              <a:rPr lang="zh-CN" altLang="en-US" smtClean="0"/>
+              <a:t>2022/4/1</a:t>
+            </a:fld>
+            <a:endParaRPr lang="zh-CN" altLang="en-US"/>
+          </a:p>
+        </p:txBody>
+      </p:sp>
+      <p:sp>
+        <p:nvSpPr>
+          <p:cNvPr id="4" name="幻灯片图像占位符 3"/>
+          <p:cNvSpPr>
+            <a:spLocks noGrp="1" noRot="1" noChangeAspect="1"/>
+          </p:cNvSpPr>
+          <p:nvPr>
+            <p:ph type="sldImg" idx="2"/>
+          </p:nvPr>
+        </p:nvSpPr>
+        <p:spPr>
+          <a:xfrm>
+            <a:off x="685800" y="1143000"/>
+            <a:ext cx="5486400" cy="3086100"/>
+          </a:xfrm>
+          <a:prstGeom prst="rect">
+            <a:avLst/>
+          </a:prstGeom>
+          <a:noFill/>
+          <a:ln w="12700">
+            <a:solidFill>
+              <a:prstClr val="black"/>
+            </a:solidFill>
+          </a:ln>
+        </p:spPr>
+        <p:txBody>
+          <a:bodyPr vert="horz" lIns="91440" tIns="45720" rIns="91440" bIns="45720" rtlCol="0" anchor="ctr"/>
+          <a:lstStyle/>
+          <a:p>
+            <a:endParaRPr lang="zh-CN" altLang="en-US"/>
+          </a:p>
+        </p:txBody>
+      </p:sp>
+      <p:sp>
+        <p:nvSpPr>
+          <p:cNvPr id="5" name="备注占位符 4"/>
+          <p:cNvSpPr>
+            <a:spLocks noGrp="1"/>
+          </p:cNvSpPr>
+          <p:nvPr>
+            <p:ph type="body" sz="quarter" idx="3"/>
+          </p:nvPr>
+        </p:nvSpPr>
+        <p:spPr>
+          <a:xfrm>
+            <a:off x="685800" y="4400550"/>
+            <a:ext cx="5486400" cy="3600450"/>
+          </a:xfrm>
+          <a:prstGeom prst="rect">
+            <a:avLst/>
+          </a:prstGeom>
+        </p:spPr>
+        <p:txBody>
+          <a:bodyPr vert="horz" lIns="91440" tIns="45720" rIns="91440" bIns="45720" rtlCol="0"/>
+          <a:lstStyle/>
+          <a:p>
+            <a:pPr lvl="0"/>
+            <a:r>
+              <a:rPr lang="zh-CN" altLang="en-US"/>
+              <a:t>单击此处编辑母版文本样式</a:t>
+            </a:r>
+          </a:p>
+          <a:p>
+            <a:pPr lvl="1"/>
+            <a:r>
+              <a:rPr lang="zh-CN" altLang="en-US"/>
+              <a:t>二级</a:t>
+            </a:r>
+          </a:p>
+          <a:p>
+            <a:pPr lvl="2"/>
+            <a:r>
+              <a:rPr lang="zh-CN" altLang="en-US"/>
+              <a:t>三级</a:t>
+            </a:r>
+          </a:p>
+          <a:p>
+            <a:pPr lvl="3"/>
+            <a:r>
+              <a:rPr lang="zh-CN" altLang="en-US"/>
+              <a:t>四级</a:t>
+            </a:r>
+          </a:p>
+          <a:p>
+            <a:pPr lvl="4"/>
+            <a:r>
+              <a:rPr lang="zh-CN" altLang="en-US"/>
+              <a:t>五级</a:t>
+            </a:r>
+          </a:p>
+        </p:txBody>
+      </p:sp>
+      <p:sp>
+        <p:nvSpPr>
+          <p:cNvPr id="6" name="页脚占位符 5"/>
+          <p:cNvSpPr>
+            <a:spLocks noGrp="1"/>
+          </p:cNvSpPr>
+          <p:nvPr>
+            <p:ph type="ftr" sz="quarter" idx="4"/>
+          </p:nvPr>
+        </p:nvSpPr>
+        <p:spPr>
+          <a:xfrm>
+            <a:off x="0" y="8685213"/>
+            <a:ext cx="2971800" cy="458787"/>
+          </a:xfrm>
+          <a:prstGeom prst="rect">
+            <a:avLst/>
+          </a:prstGeom>
+        </p:spPr>
+        <p:txBody>
+          <a:bodyPr vert="horz" lIns="91440" tIns="45720" rIns="91440" bIns="45720" rtlCol="0" anchor="b"/>
+          <a:lstStyle>
+            <a:lvl1pPr algn="l">
+              <a:defRPr sz="1200"/>
+            </a:lvl1pPr>
+          </a:lstStyle>
+          <a:p>
+            <a:endParaRPr lang="zh-CN" altLang="en-US"/>
+          </a:p>
+        </p:txBody>
+      </p:sp>
+      <p:sp>
+        <p:nvSpPr>
+          <p:cNvPr id="7" name="灯片编号占位符 6"/>
+          <p:cNvSpPr>
+            <a:spLocks noGrp="1"/>
+          </p:cNvSpPr>
+          <p:nvPr>
+            <p:ph type="sldNum" sz="quarter" idx="5"/>
+          </p:nvPr>
+        </p:nvSpPr>
+        <p:spPr>
+          <a:xfrm>
+            <a:off x="3884613" y="8685213"/>
+            <a:ext cx="2971800" cy="458787"/>
+          </a:xfrm>
+          <a:prstGeom prst="rect">
+            <a:avLst/>
+          </a:prstGeom>
+        </p:spPr>
+        <p:txBody>
+          <a:bodyPr vert="horz" lIns="91440" tIns="45720" rIns="91440" bIns="45720" rtlCol="0" anchor="b"/>
+          <a:lstStyle>
+            <a:lvl1pPr algn="r">
+              <a:defRPr sz="1200"/>
+            </a:lvl1pPr>
+          </a:lstStyle>
+          <a:p>
+            <a:fld id="{1212F0ED-EEDD-446E-95FB-5B276550D19E}" type="slidenum">
+              <a:rPr lang="zh-CN" altLang="en-US" smtClean="0"/>
+              <a:t>‹#›</a:t>
+            </a:fld>
+            <a:endParaRPr lang="zh-CN" altLang="en-US"/>
+          </a:p>
+        </p:txBody>
+      </p:sp>
+    </p:spTree>
+    <p:extLst>
+      <p:ext uri="{BB962C8B-B14F-4D97-AF65-F5344CB8AC3E}">
+        <p14:creationId xmlns:p14="http://schemas.microsoft.com/office/powerpoint/2010/main" val="2572087542"/>
+      </p:ext>
+    </p:extLst>
+  </p:cSld>
+  <p:clrMap bg1="lt1" tx1="dk1" bg2="lt2" tx2="dk2" accent1="accent1" accent2="accent2" accent3="accent3" accent4="accent4" accent5="accent5" accent6="accent6" hlink="hlink" folHlink="folHlink"/>
+  <p:notesStyle>
+    <a:lvl1pPr marL="0" algn="l" defTabSz="914400" rtl="0" eaLnBrk="1" latinLnBrk="0" hangingPunct="1">
+      <a:defRPr sz="1200" kern="1200">
+        <a:solidFill>
+          <a:schemeClr val="tx1"/>
+        </a:solidFill>
+        <a:latin typeface="+mn-lt"/>
+        <a:ea typeface="+mn-ea"/>
+        <a:cs typeface="+mn-cs"/>
+      </a:defRPr>
+    </a:lvl1pPr>
+    <a:lvl2pPr marL="457200" algn="l" defTabSz="914400" rtl="0" eaLnBrk="1" latinLnBrk="0" hangingPunct="1">
+      <a:defRPr sz="1200" kern="1200">
+        <a:solidFill>
+          <a:schemeClr val="tx1"/>
+        </a:solidFill>
+        <a:latin typeface="+mn-lt"/>
+        <a:ea typeface="+mn-ea"/>
+        <a:cs typeface="+mn-cs"/>
+      </a:defRPr>
+    </a:lvl2pPr>
+    <a:lvl3pPr marL="914400" algn="l" defTabSz="914400" rtl="0" eaLnBrk="1" latinLnBrk="0" hangingPunct="1">
+      <a:defRPr sz="1200" kern="1200">
+        <a:solidFill>
+          <a:schemeClr val="tx1"/>
+        </a:solidFill>
+        <a:latin typeface="+mn-lt"/>
+        <a:ea typeface="+mn-ea"/>
+        <a:cs typeface="+mn-cs"/>
+      </a:defRPr>
+    </a:lvl3pPr>
+    <a:lvl4pPr marL="1371600" algn="l" defTabSz="914400" rtl="0" eaLnBrk="1" latinLnBrk="0" hangingPunct="1">
+      <a:defRPr sz="1200" kern="1200">
+        <a:solidFill>
+          <a:schemeClr val="tx1"/>
+        </a:solidFill>
+        <a:latin typeface="+mn-lt"/>
+        <a:ea typeface="+mn-ea"/>
+        <a:cs typeface="+mn-cs"/>
+      </a:defRPr>
+    </a:lvl4pPr>
+    <a:lvl5pPr marL="1828800" algn="l" defTabSz="914400" rtl="0" eaLnBrk="1" latinLnBrk="0" hangingPunct="1">
+      <a:defRPr sz="1200" kern="1200">
+        <a:solidFill>
+          <a:schemeClr val="tx1"/>
+        </a:solidFill>
+        <a:latin typeface="+mn-lt"/>
+        <a:ea typeface="+mn-ea"/>
+        <a:cs typeface="+mn-cs"/>
+      </a:defRPr>
+    </a:lvl5pPr>
+    <a:lvl6pPr marL="2286000" algn="l" defTabSz="914400" rtl="0" eaLnBrk="1" latinLnBrk="0" hangingPunct="1">
+      <a:defRPr sz="1200" kern="1200">
+        <a:solidFill>
+          <a:schemeClr val="tx1"/>
+        </a:solidFill>
+        <a:latin typeface="+mn-lt"/>
+        <a:ea typeface="+mn-ea"/>
+        <a:cs typeface="+mn-cs"/>
+      </a:defRPr>
+    </a:lvl6pPr>
+    <a:lvl7pPr marL="2743200" algn="l" defTabSz="914400" rtl="0" eaLnBrk="1" latinLnBrk="0" hangingPunct="1">
+      <a:defRPr sz="1200" kern="1200">
+        <a:solidFill>
+          <a:schemeClr val="tx1"/>
+        </a:solidFill>
+        <a:latin typeface="+mn-lt"/>
+        <a:ea typeface="+mn-ea"/>
+        <a:cs typeface="+mn-cs"/>
+      </a:defRPr>
+    </a:lvl7pPr>
+    <a:lvl8pPr marL="3200400" algn="l" defTabSz="914400" rtl="0" eaLnBrk="1" latinLnBrk="0" hangingPunct="1">
+      <a:defRPr sz="1200" kern="1200">
+        <a:solidFill>
+          <a:schemeClr val="tx1"/>
+        </a:solidFill>
+        <a:latin typeface="+mn-lt"/>
+        <a:ea typeface="+mn-ea"/>
+        <a:cs typeface="+mn-cs"/>
+      </a:defRPr>
+    </a:lvl8pPr>
+    <a:lvl9pPr marL="3657600" algn="l" defTabSz="914400" rtl="0" eaLnBrk="1" latinLnBrk="0" hangingPunct="1">
+      <a:defRPr sz="1200" kern="1200">
+        <a:solidFill>
+          <a:schemeClr val="tx1"/>
+        </a:solidFill>
+        <a:latin typeface="+mn-lt"/>
+        <a:ea typeface="+mn-ea"/>
+        <a:cs typeface="+mn-cs"/>
+      </a:defRPr>
+    </a:lvl9pPr>
+  </p:notesStyle>
+</p:notesMaster>
+</file>
+
+<file path=ppt/notesSlides/notesSlide1.xml><?xml version="1.0" encoding="utf-8"?>
+<p:notes xmlns:a="http://schemas.openxmlformats.org/drawingml/2006/main" xmlns:r="http://schemas.openxmlformats.org/officeDocument/2006/relationships" xmlns:p="http://schemas.openxmlformats.org/presentationml/2006/main">
+  <p:cSld>
+    <p:spTree>
+      <p:nvGrpSpPr>
+        <p:cNvPr id="1" name=""/>
+        <p:cNvGrpSpPr/>
+        <p:nvPr/>
+      </p:nvGrpSpPr>
+      <p:grpSpPr>
+        <a:xfrm>
+          <a:off x="0" y="0"/>
+          <a:ext cx="0" cy="0"/>
+          <a:chOff x="0" y="0"/>
+          <a:chExt cx="0" cy="0"/>
+        </a:xfrm>
+      </p:grpSpPr>
+      <p:sp>
+        <p:nvSpPr>
+          <p:cNvPr id="2" name="幻灯片图像占位符 1"/>
+          <p:cNvSpPr>
+            <a:spLocks noGrp="1" noRot="1" noChangeAspect="1"/>
+          </p:cNvSpPr>
+          <p:nvPr>
+            <p:ph type="sldImg"/>
+          </p:nvPr>
+        </p:nvSpPr>
+        <p:spPr/>
+      </p:sp>
+      <p:sp>
+        <p:nvSpPr>
+          <p:cNvPr id="3" name="备注占位符 2"/>
+          <p:cNvSpPr>
+            <a:spLocks noGrp="1"/>
+          </p:cNvSpPr>
+          <p:nvPr>
+            <p:ph type="body" idx="1"/>
+          </p:nvPr>
+        </p:nvSpPr>
+        <p:spPr/>
+        <p:txBody>
+          <a:bodyPr/>
+          <a:lstStyle/>
+          <a:p>
+            <a:endParaRPr lang="zh-CN" altLang="en-US" dirty="0"/>
+          </a:p>
+        </p:txBody>
+      </p:sp>
+      <p:sp>
+        <p:nvSpPr>
+          <p:cNvPr id="4" name="灯片编号占位符 3"/>
+          <p:cNvSpPr>
+            <a:spLocks noGrp="1"/>
+          </p:cNvSpPr>
+          <p:nvPr>
+            <p:ph type="sldNum" sz="quarter" idx="5"/>
+          </p:nvPr>
+        </p:nvSpPr>
+        <p:spPr/>
+        <p:txBody>
+          <a:bodyPr/>
+          <a:lstStyle/>
+          <a:p>
+            <a:fld id="{1212F0ED-EEDD-446E-95FB-5B276550D19E}" type="slidenum">
+              <a:rPr lang="zh-CN" altLang="en-US" smtClean="0"/>
+              <a:t>1</a:t>
+            </a:fld>
+            <a:endParaRPr lang="zh-CN" altLang="en-US"/>
+          </a:p>
+        </p:txBody>
+      </p:sp>
+    </p:spTree>
+    <p:extLst>
+      <p:ext uri="{BB962C8B-B14F-4D97-AF65-F5344CB8AC3E}">
+        <p14:creationId xmlns:p14="http://schemas.microsoft.com/office/powerpoint/2010/main" val="3603893479"/>
+      </p:ext>
+    </p:extLst>
+  </p:cSld>
+  <p:clrMapOvr>
+    <a:masterClrMapping/>
+  </p:clrMapOvr>
+</p:notes>
+</file>
+
 <file path=ppt/slideLayouts/slideLayout1.xml><?xml version="1.0" encoding="utf-8"?>
 <p:sldLayout xmlns:a="http://schemas.openxmlformats.org/drawingml/2006/main" xmlns:r="http://schemas.openxmlformats.org/officeDocument/2006/relationships" xmlns:p="http://schemas.openxmlformats.org/presentationml/2006/main" type="title" preserve="1">
   <p:cSld name="标题幻灯片">
@@ -264,7 +701,7 @@
           <a:p>
             <a:fld id="{1C3897A5-2615-4281-B766-0EDC083ED477}" type="datetimeFigureOut">
               <a:rPr lang="zh-CN" altLang="en-US" smtClean="0"/>
-              <a:t>2021/7/12</a:t>
+              <a:t>2022/4/1</a:t>
             </a:fld>
             <a:endParaRPr lang="zh-CN" altLang="en-US"/>
           </a:p>
@@ -462,7 +899,7 @@
           <a:p>
             <a:fld id="{1C3897A5-2615-4281-B766-0EDC083ED477}" type="datetimeFigureOut">
               <a:rPr lang="zh-CN" altLang="en-US" smtClean="0"/>
-              <a:t>2021/7/12</a:t>
+              <a:t>2022/4/1</a:t>
             </a:fld>
             <a:endParaRPr lang="zh-CN" altLang="en-US"/>
           </a:p>
@@ -670,7 +1107,7 @@
           <a:p>
             <a:fld id="{1C3897A5-2615-4281-B766-0EDC083ED477}" type="datetimeFigureOut">
               <a:rPr lang="zh-CN" altLang="en-US" smtClean="0"/>
-              <a:t>2021/7/12</a:t>
+              <a:t>2022/4/1</a:t>
             </a:fld>
             <a:endParaRPr lang="zh-CN" altLang="en-US"/>
           </a:p>
@@ -868,7 +1305,7 @@
           <a:p>
             <a:fld id="{1C3897A5-2615-4281-B766-0EDC083ED477}" type="datetimeFigureOut">
               <a:rPr lang="zh-CN" altLang="en-US" smtClean="0"/>
-              <a:t>2021/7/12</a:t>
+              <a:t>2022/4/1</a:t>
             </a:fld>
             <a:endParaRPr lang="zh-CN" altLang="en-US"/>
           </a:p>
@@ -1143,7 +1580,7 @@
           <a:p>
             <a:fld id="{1C3897A5-2615-4281-B766-0EDC083ED477}" type="datetimeFigureOut">
               <a:rPr lang="zh-CN" altLang="en-US" smtClean="0"/>
-              <a:t>2021/7/12</a:t>
+              <a:t>2022/4/1</a:t>
             </a:fld>
             <a:endParaRPr lang="zh-CN" altLang="en-US"/>
           </a:p>
@@ -1408,7 +1845,7 @@
           <a:p>
             <a:fld id="{1C3897A5-2615-4281-B766-0EDC083ED477}" type="datetimeFigureOut">
               <a:rPr lang="zh-CN" altLang="en-US" smtClean="0"/>
-              <a:t>2021/7/12</a:t>
+              <a:t>2022/4/1</a:t>
             </a:fld>
             <a:endParaRPr lang="zh-CN" altLang="en-US"/>
           </a:p>
@@ -1820,7 +2257,7 @@
           <a:p>
             <a:fld id="{1C3897A5-2615-4281-B766-0EDC083ED477}" type="datetimeFigureOut">
               <a:rPr lang="zh-CN" altLang="en-US" smtClean="0"/>
-              <a:t>2021/7/12</a:t>
+              <a:t>2022/4/1</a:t>
             </a:fld>
             <a:endParaRPr lang="zh-CN" altLang="en-US"/>
           </a:p>
@@ -1961,7 +2398,7 @@
           <a:p>
             <a:fld id="{1C3897A5-2615-4281-B766-0EDC083ED477}" type="datetimeFigureOut">
               <a:rPr lang="zh-CN" altLang="en-US" smtClean="0"/>
-              <a:t>2021/7/12</a:t>
+              <a:t>2022/4/1</a:t>
             </a:fld>
             <a:endParaRPr lang="zh-CN" altLang="en-US"/>
           </a:p>
@@ -2074,7 +2511,7 @@
           <a:p>
             <a:fld id="{1C3897A5-2615-4281-B766-0EDC083ED477}" type="datetimeFigureOut">
               <a:rPr lang="zh-CN" altLang="en-US" smtClean="0"/>
-              <a:t>2021/7/12</a:t>
+              <a:t>2022/4/1</a:t>
             </a:fld>
             <a:endParaRPr lang="zh-CN" altLang="en-US"/>
           </a:p>
@@ -2385,7 +2822,7 @@
           <a:p>
             <a:fld id="{1C3897A5-2615-4281-B766-0EDC083ED477}" type="datetimeFigureOut">
               <a:rPr lang="zh-CN" altLang="en-US" smtClean="0"/>
-              <a:t>2021/7/12</a:t>
+              <a:t>2022/4/1</a:t>
             </a:fld>
             <a:endParaRPr lang="zh-CN" altLang="en-US"/>
           </a:p>
@@ -2673,7 +3110,7 @@
           <a:p>
             <a:fld id="{1C3897A5-2615-4281-B766-0EDC083ED477}" type="datetimeFigureOut">
               <a:rPr lang="zh-CN" altLang="en-US" smtClean="0"/>
-              <a:t>2021/7/12</a:t>
+              <a:t>2022/4/1</a:t>
             </a:fld>
             <a:endParaRPr lang="zh-CN" altLang="en-US"/>
           </a:p>
@@ -2914,7 +3351,7 @@
           <a:p>
             <a:fld id="{1C3897A5-2615-4281-B766-0EDC083ED477}" type="datetimeFigureOut">
               <a:rPr lang="zh-CN" altLang="en-US" smtClean="0"/>
-              <a:t>2021/7/12</a:t>
+              <a:t>2022/4/1</a:t>
             </a:fld>
             <a:endParaRPr lang="zh-CN" altLang="en-US"/>
           </a:p>
@@ -3381,7 +3818,7 @@
           <p:nvPr/>
         </p:nvPicPr>
         <p:blipFill>
-          <a:blip r:embed="rId2">
+          <a:blip r:embed="rId3">
             <a:extLst>
               <a:ext uri="{28A0092B-C50C-407E-A947-70E740481C1C}">
                 <a14:useLocalDpi xmlns:a14="http://schemas.microsoft.com/office/drawing/2010/main" val="0"/>
@@ -3408,42 +3845,6 @@
             <a:extLst>
               <a:ext uri="{FF2B5EF4-FFF2-40B4-BE49-F238E27FC236}">
                 <a16:creationId xmlns:a16="http://schemas.microsoft.com/office/drawing/2014/main" id="{B2B7E45C-C999-4E2C-A91F-28CF28232D0B}"/>
-              </a:ext>
-            </a:extLst>
-          </p:cNvPr>
-          <p:cNvPicPr>
-            <a:picLocks noChangeAspect="1"/>
-          </p:cNvPicPr>
-          <p:nvPr/>
-        </p:nvPicPr>
-        <p:blipFill>
-          <a:blip r:embed="rId3">
-            <a:extLst>
-              <a:ext uri="{28A0092B-C50C-407E-A947-70E740481C1C}">
-                <a14:useLocalDpi xmlns:a14="http://schemas.microsoft.com/office/drawing/2010/main" val="0"/>
-              </a:ext>
-            </a:extLst>
-          </a:blip>
-          <a:stretch>
-            <a:fillRect/>
-          </a:stretch>
-        </p:blipFill>
-        <p:spPr>
-          <a:xfrm>
-            <a:off x="3214237" y="990560"/>
-            <a:ext cx="2743243" cy="4876877"/>
-          </a:xfrm>
-          <a:prstGeom prst="rect">
-            <a:avLst/>
-          </a:prstGeom>
-        </p:spPr>
-      </p:pic>
-      <p:pic>
-        <p:nvPicPr>
-          <p:cNvPr id="13" name="图片 12">
-            <a:extLst>
-              <a:ext uri="{FF2B5EF4-FFF2-40B4-BE49-F238E27FC236}">
-                <a16:creationId xmlns:a16="http://schemas.microsoft.com/office/drawing/2014/main" id="{2E80DF5C-ADC1-466F-81EE-DB90E6C4A549}"/>
               </a:ext>
             </a:extLst>
           </p:cNvPr>
@@ -3466,8 +3867,8 @@
         </p:blipFill>
         <p:spPr>
           <a:xfrm>
-            <a:off x="6234522" y="990559"/>
-            <a:ext cx="2743244" cy="4876878"/>
+            <a:off x="3214237" y="990560"/>
+            <a:ext cx="2743243" cy="4876877"/>
           </a:xfrm>
           <a:prstGeom prst="rect">
             <a:avLst/>
@@ -3476,10 +3877,10 @@
       </p:pic>
       <p:pic>
         <p:nvPicPr>
-          <p:cNvPr id="15" name="图片 14">
-            <a:extLst>
-              <a:ext uri="{FF2B5EF4-FFF2-40B4-BE49-F238E27FC236}">
-                <a16:creationId xmlns:a16="http://schemas.microsoft.com/office/drawing/2014/main" id="{7FD7A34B-D4B1-48C1-881C-5FA89E7F9E48}"/>
+          <p:cNvPr id="13" name="图片 12">
+            <a:extLst>
+              <a:ext uri="{FF2B5EF4-FFF2-40B4-BE49-F238E27FC236}">
+                <a16:creationId xmlns:a16="http://schemas.microsoft.com/office/drawing/2014/main" id="{2E80DF5C-ADC1-466F-81EE-DB90E6C4A549}"/>
               </a:ext>
             </a:extLst>
           </p:cNvPr>
@@ -3489,7 +3890,43 @@
           <p:nvPr/>
         </p:nvPicPr>
         <p:blipFill>
-          <a:blip r:embed="rId5"/>
+          <a:blip r:embed="rId5">
+            <a:extLst>
+              <a:ext uri="{28A0092B-C50C-407E-A947-70E740481C1C}">
+                <a14:useLocalDpi xmlns:a14="http://schemas.microsoft.com/office/drawing/2010/main" val="0"/>
+              </a:ext>
+            </a:extLst>
+          </a:blip>
+          <a:stretch>
+            <a:fillRect/>
+          </a:stretch>
+        </p:blipFill>
+        <p:spPr>
+          <a:xfrm>
+            <a:off x="6234522" y="990559"/>
+            <a:ext cx="2743244" cy="4876878"/>
+          </a:xfrm>
+          <a:prstGeom prst="rect">
+            <a:avLst/>
+          </a:prstGeom>
+        </p:spPr>
+      </p:pic>
+      <p:pic>
+        <p:nvPicPr>
+          <p:cNvPr id="15" name="图片 14">
+            <a:extLst>
+              <a:ext uri="{FF2B5EF4-FFF2-40B4-BE49-F238E27FC236}">
+                <a16:creationId xmlns:a16="http://schemas.microsoft.com/office/drawing/2014/main" id="{7FD7A34B-D4B1-48C1-881C-5FA89E7F9E48}"/>
+              </a:ext>
+            </a:extLst>
+          </p:cNvPr>
+          <p:cNvPicPr>
+            <a:picLocks noChangeAspect="1"/>
+          </p:cNvPicPr>
+          <p:nvPr/>
+        </p:nvPicPr>
+        <p:blipFill>
+          <a:blip r:embed="rId6"/>
           <a:stretch>
             <a:fillRect/>
           </a:stretch>
@@ -3539,7 +3976,7 @@
           <p:cNvPr id="5" name="图片 4">
             <a:extLst>
               <a:ext uri="{FF2B5EF4-FFF2-40B4-BE49-F238E27FC236}">
-                <a16:creationId xmlns:a16="http://schemas.microsoft.com/office/drawing/2014/main" id="{B8409408-1846-49BA-8DDD-188FE7D9CE9E}"/>
+                <a16:creationId xmlns:a16="http://schemas.microsoft.com/office/drawing/2014/main" id="{E80D70CF-2FE7-4794-9F02-F2F0A4932214}"/>
               </a:ext>
             </a:extLst>
           </p:cNvPr>
@@ -3556,8 +3993,8 @@
         </p:blipFill>
         <p:spPr>
           <a:xfrm>
-            <a:off x="201992" y="377519"/>
-            <a:ext cx="3326300" cy="2085269"/>
+            <a:off x="513918" y="814315"/>
+            <a:ext cx="2940050" cy="5229369"/>
           </a:xfrm>
           <a:prstGeom prst="rect">
             <a:avLst/>
@@ -3566,10 +4003,10 @@
       </p:pic>
       <p:pic>
         <p:nvPicPr>
-          <p:cNvPr id="9" name="图片 8">
-            <a:extLst>
-              <a:ext uri="{FF2B5EF4-FFF2-40B4-BE49-F238E27FC236}">
-                <a16:creationId xmlns:a16="http://schemas.microsoft.com/office/drawing/2014/main" id="{B8ACE81B-3FDF-484B-9492-17D8D97D65B0}"/>
+          <p:cNvPr id="7" name="图片 6">
+            <a:extLst>
+              <a:ext uri="{FF2B5EF4-FFF2-40B4-BE49-F238E27FC236}">
+                <a16:creationId xmlns:a16="http://schemas.microsoft.com/office/drawing/2014/main" id="{266F4C16-2F77-46DE-B129-05A4762BD7CB}"/>
               </a:ext>
             </a:extLst>
           </p:cNvPr>
@@ -3586,382 +4023,260 @@
         </p:blipFill>
         <p:spPr>
           <a:xfrm>
-            <a:off x="4285672" y="168402"/>
-            <a:ext cx="3094182" cy="3144393"/>
+            <a:off x="3978998" y="814315"/>
+            <a:ext cx="2940050" cy="5229369"/>
           </a:xfrm>
           <a:prstGeom prst="rect">
             <a:avLst/>
           </a:prstGeom>
         </p:spPr>
       </p:pic>
-      <p:pic>
-        <p:nvPicPr>
-          <p:cNvPr id="19" name="图片 18">
-            <a:extLst>
-              <a:ext uri="{FF2B5EF4-FFF2-40B4-BE49-F238E27FC236}">
-                <a16:creationId xmlns:a16="http://schemas.microsoft.com/office/drawing/2014/main" id="{84ABCD92-26A0-4D98-B2A0-32F24613A347}"/>
-              </a:ext>
-            </a:extLst>
-          </p:cNvPr>
-          <p:cNvPicPr>
-            <a:picLocks noChangeAspect="1"/>
-          </p:cNvPicPr>
+      <p:sp>
+        <p:nvSpPr>
+          <p:cNvPr id="8" name="文本框 7">
+            <a:extLst>
+              <a:ext uri="{FF2B5EF4-FFF2-40B4-BE49-F238E27FC236}">
+                <a16:creationId xmlns:a16="http://schemas.microsoft.com/office/drawing/2014/main" id="{50B98F75-B9A7-4A74-B191-7C075DB13E8E}"/>
+              </a:ext>
+            </a:extLst>
+          </p:cNvPr>
+          <p:cNvSpPr txBox="1"/>
           <p:nvPr/>
-        </p:nvPicPr>
-        <p:blipFill>
-          <a:blip r:embed="rId4"/>
-          <a:stretch>
-            <a:fillRect/>
-          </a:stretch>
-        </p:blipFill>
+        </p:nvSpPr>
         <p:spPr>
           <a:xfrm>
-            <a:off x="7048089" y="3836128"/>
-            <a:ext cx="4861940" cy="2799694"/>
+            <a:off x="8285018" y="2900218"/>
+            <a:ext cx="1261884" cy="369332"/>
           </a:xfrm>
           <a:prstGeom prst="rect">
             <a:avLst/>
           </a:prstGeom>
-        </p:spPr>
-      </p:pic>
-      <p:pic>
-        <p:nvPicPr>
-          <p:cNvPr id="21" name="图片 20">
-            <a:extLst>
-              <a:ext uri="{FF2B5EF4-FFF2-40B4-BE49-F238E27FC236}">
-                <a16:creationId xmlns:a16="http://schemas.microsoft.com/office/drawing/2014/main" id="{E2766605-EC4F-4D77-BA02-AC5AE1552E38}"/>
-              </a:ext>
-            </a:extLst>
-          </p:cNvPr>
-          <p:cNvPicPr>
-            <a:picLocks noChangeAspect="1"/>
-          </p:cNvPicPr>
+          <a:noFill/>
+        </p:spPr>
+        <p:txBody>
+          <a:bodyPr wrap="none" rtlCol="0">
+            <a:spAutoFit/>
+          </a:bodyPr>
+          <a:lstStyle/>
+          <a:p>
+            <a:r>
+              <a:rPr lang="zh-CN" altLang="en-US" dirty="0"/>
+              <a:t>功能待续</a:t>
+            </a:r>
+            <a:r>
+              <a:rPr lang="en-US" altLang="zh-CN" dirty="0"/>
+              <a:t>…</a:t>
+            </a:r>
+            <a:endParaRPr lang="zh-CN" altLang="en-US" dirty="0"/>
+          </a:p>
+        </p:txBody>
+      </p:sp>
+      <p:sp>
+        <p:nvSpPr>
+          <p:cNvPr id="9" name="副标题 2">
+            <a:extLst>
+              <a:ext uri="{FF2B5EF4-FFF2-40B4-BE49-F238E27FC236}">
+                <a16:creationId xmlns:a16="http://schemas.microsoft.com/office/drawing/2014/main" id="{4503EC1F-B68C-4EB7-98B3-66FAD4FB1A6C}"/>
+              </a:ext>
+            </a:extLst>
+          </p:cNvPr>
+          <p:cNvSpPr txBox="1">
+            <a:spLocks/>
+          </p:cNvSpPr>
           <p:nvPr/>
-        </p:nvPicPr>
-        <p:blipFill>
-          <a:blip r:embed="rId5"/>
-          <a:stretch>
-            <a:fillRect/>
-          </a:stretch>
-        </p:blipFill>
+        </p:nvSpPr>
         <p:spPr>
           <a:xfrm>
-            <a:off x="512058" y="3381522"/>
-            <a:ext cx="5302232" cy="3360942"/>
+            <a:off x="193951" y="276946"/>
+            <a:ext cx="1422400" cy="388071"/>
           </a:xfrm>
           <a:prstGeom prst="rect">
             <a:avLst/>
           </a:prstGeom>
         </p:spPr>
-      </p:pic>
-      <p:sp>
-        <p:nvSpPr>
-          <p:cNvPr id="24" name="箭头: 右 23">
-            <a:extLst>
-              <a:ext uri="{FF2B5EF4-FFF2-40B4-BE49-F238E27FC236}">
-                <a16:creationId xmlns:a16="http://schemas.microsoft.com/office/drawing/2014/main" id="{440C4813-DC9F-4FFA-9989-296FB643541C}"/>
-              </a:ext>
-            </a:extLst>
-          </p:cNvPr>
-          <p:cNvSpPr/>
-          <p:nvPr/>
-        </p:nvSpPr>
-        <p:spPr>
-          <a:xfrm>
-            <a:off x="3713018" y="1514764"/>
-            <a:ext cx="646546" cy="581891"/>
-          </a:xfrm>
-          <a:prstGeom prst="rightArrow">
-            <a:avLst/>
-          </a:prstGeom>
-          <a:solidFill>
-            <a:srgbClr val="FF0000"/>
-          </a:solidFill>
-          <a:ln>
-            <a:solidFill>
-              <a:srgbClr val="FF0000"/>
-            </a:solidFill>
-          </a:ln>
-        </p:spPr>
-        <p:style>
-          <a:lnRef idx="2">
-            <a:schemeClr val="accent1">
-              <a:shade val="50000"/>
-            </a:schemeClr>
-          </a:lnRef>
-          <a:fillRef idx="1">
-            <a:schemeClr val="accent1"/>
-          </a:fillRef>
-          <a:effectRef idx="0">
-            <a:schemeClr val="accent1"/>
-          </a:effectRef>
-          <a:fontRef idx="minor">
-            <a:schemeClr val="lt1"/>
-          </a:fontRef>
-        </p:style>
-        <p:txBody>
-          <a:bodyPr rtlCol="0" anchor="ctr"/>
-          <a:lstStyle/>
-          <a:p>
-            <a:pPr algn="ctr"/>
-            <a:endParaRPr lang="zh-CN" altLang="en-US">
-              <a:solidFill>
-                <a:srgbClr val="FF0000"/>
-              </a:solidFill>
-            </a:endParaRPr>
-          </a:p>
-        </p:txBody>
-      </p:sp>
-      <p:sp>
-        <p:nvSpPr>
-          <p:cNvPr id="25" name="箭头: 右 24">
-            <a:extLst>
-              <a:ext uri="{FF2B5EF4-FFF2-40B4-BE49-F238E27FC236}">
-                <a16:creationId xmlns:a16="http://schemas.microsoft.com/office/drawing/2014/main" id="{61098009-D4BC-41A5-B84F-342C43D14C3A}"/>
-              </a:ext>
-            </a:extLst>
-          </p:cNvPr>
-          <p:cNvSpPr/>
-          <p:nvPr/>
-        </p:nvSpPr>
-        <p:spPr>
-          <a:xfrm>
-            <a:off x="7305962" y="1514764"/>
-            <a:ext cx="646546" cy="581891"/>
-          </a:xfrm>
-          <a:prstGeom prst="rightArrow">
-            <a:avLst/>
-          </a:prstGeom>
-          <a:solidFill>
-            <a:srgbClr val="FF0000"/>
-          </a:solidFill>
-          <a:ln>
-            <a:solidFill>
-              <a:srgbClr val="FF0000"/>
-            </a:solidFill>
-          </a:ln>
-        </p:spPr>
-        <p:style>
-          <a:lnRef idx="2">
-            <a:schemeClr val="accent1">
-              <a:shade val="50000"/>
-            </a:schemeClr>
-          </a:lnRef>
-          <a:fillRef idx="1">
-            <a:schemeClr val="accent1"/>
-          </a:fillRef>
-          <a:effectRef idx="0">
-            <a:schemeClr val="accent1"/>
-          </a:effectRef>
-          <a:fontRef idx="minor">
-            <a:schemeClr val="lt1"/>
-          </a:fontRef>
-        </p:style>
-        <p:txBody>
-          <a:bodyPr rtlCol="0" anchor="ctr"/>
-          <a:lstStyle/>
-          <a:p>
-            <a:pPr algn="ctr"/>
-            <a:endParaRPr lang="zh-CN" altLang="en-US"/>
-          </a:p>
-        </p:txBody>
-      </p:sp>
-      <p:sp>
-        <p:nvSpPr>
-          <p:cNvPr id="26" name="箭头: 右 25">
-            <a:extLst>
-              <a:ext uri="{FF2B5EF4-FFF2-40B4-BE49-F238E27FC236}">
-                <a16:creationId xmlns:a16="http://schemas.microsoft.com/office/drawing/2014/main" id="{BBD39C6E-B1CD-489A-96D6-E9C889F9B422}"/>
-              </a:ext>
-            </a:extLst>
-          </p:cNvPr>
-          <p:cNvSpPr/>
-          <p:nvPr/>
-        </p:nvSpPr>
-        <p:spPr>
-          <a:xfrm rot="5400000">
-            <a:off x="9564803" y="3156527"/>
-            <a:ext cx="646546" cy="581891"/>
-          </a:xfrm>
-          <a:prstGeom prst="rightArrow">
-            <a:avLst/>
-          </a:prstGeom>
-          <a:solidFill>
-            <a:srgbClr val="FF0000"/>
-          </a:solidFill>
-          <a:ln>
-            <a:solidFill>
-              <a:srgbClr val="FF0000"/>
-            </a:solidFill>
-          </a:ln>
-        </p:spPr>
-        <p:style>
-          <a:lnRef idx="2">
-            <a:schemeClr val="accent1">
-              <a:shade val="50000"/>
-            </a:schemeClr>
-          </a:lnRef>
-          <a:fillRef idx="1">
-            <a:schemeClr val="accent1"/>
-          </a:fillRef>
-          <a:effectRef idx="0">
-            <a:schemeClr val="accent1"/>
-          </a:effectRef>
-          <a:fontRef idx="minor">
-            <a:schemeClr val="lt1"/>
-          </a:fontRef>
-        </p:style>
-        <p:txBody>
-          <a:bodyPr rtlCol="0" anchor="ctr"/>
-          <a:lstStyle/>
-          <a:p>
-            <a:pPr algn="ctr"/>
-            <a:endParaRPr lang="zh-CN" altLang="en-US"/>
-          </a:p>
-        </p:txBody>
-      </p:sp>
-      <p:sp>
-        <p:nvSpPr>
-          <p:cNvPr id="27" name="箭头: 右 26">
-            <a:extLst>
-              <a:ext uri="{FF2B5EF4-FFF2-40B4-BE49-F238E27FC236}">
-                <a16:creationId xmlns:a16="http://schemas.microsoft.com/office/drawing/2014/main" id="{1871C294-B1B3-4B6E-BEAC-93478A2CEA86}"/>
-              </a:ext>
-            </a:extLst>
-          </p:cNvPr>
-          <p:cNvSpPr/>
-          <p:nvPr/>
-        </p:nvSpPr>
-        <p:spPr>
-          <a:xfrm rot="10800000">
-            <a:off x="5841999" y="4744413"/>
-            <a:ext cx="646546" cy="581891"/>
-          </a:xfrm>
-          <a:prstGeom prst="rightArrow">
-            <a:avLst/>
-          </a:prstGeom>
-          <a:solidFill>
-            <a:srgbClr val="FF0000"/>
-          </a:solidFill>
-          <a:ln>
-            <a:solidFill>
-              <a:srgbClr val="FF0000"/>
-            </a:solidFill>
-          </a:ln>
-        </p:spPr>
-        <p:style>
-          <a:lnRef idx="2">
-            <a:schemeClr val="accent1">
-              <a:shade val="50000"/>
-            </a:schemeClr>
-          </a:lnRef>
-          <a:fillRef idx="1">
-            <a:schemeClr val="accent1"/>
-          </a:fillRef>
-          <a:effectRef idx="0">
-            <a:schemeClr val="accent1"/>
-          </a:effectRef>
-          <a:fontRef idx="minor">
-            <a:schemeClr val="lt1"/>
-          </a:fontRef>
-        </p:style>
-        <p:txBody>
-          <a:bodyPr rtlCol="0" anchor="ctr"/>
-          <a:lstStyle/>
-          <a:p>
-            <a:pPr algn="ctr"/>
-            <a:endParaRPr lang="zh-CN" altLang="en-US"/>
-          </a:p>
-        </p:txBody>
-      </p:sp>
-      <p:pic>
-        <p:nvPicPr>
-          <p:cNvPr id="30" name="图片 29">
-            <a:extLst>
-              <a:ext uri="{FF2B5EF4-FFF2-40B4-BE49-F238E27FC236}">
-                <a16:creationId xmlns:a16="http://schemas.microsoft.com/office/drawing/2014/main" id="{FEC8EB2D-57FA-4F5B-8849-D248F0A98826}"/>
-              </a:ext>
-            </a:extLst>
-          </p:cNvPr>
-          <p:cNvPicPr>
-            <a:picLocks noChangeAspect="1"/>
-          </p:cNvPicPr>
-          <p:nvPr/>
-        </p:nvPicPr>
-        <p:blipFill>
-          <a:blip r:embed="rId6"/>
-          <a:stretch>
-            <a:fillRect/>
-          </a:stretch>
-        </p:blipFill>
-        <p:spPr>
-          <a:xfrm>
-            <a:off x="7952508" y="91221"/>
-            <a:ext cx="4083705" cy="3207719"/>
-          </a:xfrm>
-          <a:prstGeom prst="rect">
-            <a:avLst/>
-          </a:prstGeom>
-        </p:spPr>
-      </p:pic>
-      <p:sp>
-        <p:nvSpPr>
-          <p:cNvPr id="31" name="箭头: 直角上 30">
-            <a:extLst>
-              <a:ext uri="{FF2B5EF4-FFF2-40B4-BE49-F238E27FC236}">
-                <a16:creationId xmlns:a16="http://schemas.microsoft.com/office/drawing/2014/main" id="{83AE50BF-C93C-4257-8AA6-9F9E28CAAC66}"/>
-              </a:ext>
-            </a:extLst>
-          </p:cNvPr>
-          <p:cNvSpPr/>
-          <p:nvPr/>
-        </p:nvSpPr>
-        <p:spPr>
-          <a:xfrm rot="10800000">
-            <a:off x="-14415" y="5006223"/>
-            <a:ext cx="526473" cy="640164"/>
-          </a:xfrm>
-          <a:prstGeom prst="bentUpArrow">
-            <a:avLst/>
-          </a:prstGeom>
-          <a:solidFill>
-            <a:srgbClr val="FF0000"/>
-          </a:solidFill>
-          <a:ln>
-            <a:solidFill>
-              <a:srgbClr val="FF0000"/>
-            </a:solidFill>
-          </a:ln>
-        </p:spPr>
-        <p:style>
-          <a:lnRef idx="2">
-            <a:schemeClr val="accent1">
-              <a:shade val="50000"/>
-            </a:schemeClr>
-          </a:lnRef>
-          <a:fillRef idx="1">
-            <a:schemeClr val="accent1"/>
-          </a:fillRef>
-          <a:effectRef idx="0">
-            <a:schemeClr val="accent1"/>
-          </a:effectRef>
-          <a:fontRef idx="minor">
-            <a:schemeClr val="lt1"/>
-          </a:fontRef>
-        </p:style>
-        <p:txBody>
-          <a:bodyPr rtlCol="0" anchor="ctr"/>
-          <a:lstStyle/>
-          <a:p>
-            <a:pPr algn="ctr"/>
-            <a:endParaRPr lang="zh-CN" altLang="en-US"/>
+        <p:txBody>
+          <a:bodyPr vert="horz" lIns="91440" tIns="45720" rIns="91440" bIns="45720" rtlCol="0">
+            <a:normAutofit fontScale="85000" lnSpcReduction="20000"/>
+          </a:bodyPr>
+          <a:lstStyle>
+            <a:lvl1pPr marL="228600" indent="-228600" algn="l" defTabSz="914400" rtl="0" eaLnBrk="1" latinLnBrk="0" hangingPunct="1">
+              <a:lnSpc>
+                <a:spcPct val="90000"/>
+              </a:lnSpc>
+              <a:spcBef>
+                <a:spcPts val="1000"/>
+              </a:spcBef>
+              <a:buFont typeface="Arial" panose="020B0604020202020204" pitchFamily="34" charset="0"/>
+              <a:buChar char="•"/>
+              <a:defRPr sz="2800" kern="1200">
+                <a:solidFill>
+                  <a:schemeClr val="tx1"/>
+                </a:solidFill>
+                <a:latin typeface="+mn-lt"/>
+                <a:ea typeface="+mn-ea"/>
+                <a:cs typeface="+mn-cs"/>
+              </a:defRPr>
+            </a:lvl1pPr>
+            <a:lvl2pPr marL="685800" indent="-228600" algn="l" defTabSz="914400" rtl="0" eaLnBrk="1" latinLnBrk="0" hangingPunct="1">
+              <a:lnSpc>
+                <a:spcPct val="90000"/>
+              </a:lnSpc>
+              <a:spcBef>
+                <a:spcPts val="500"/>
+              </a:spcBef>
+              <a:buFont typeface="Arial" panose="020B0604020202020204" pitchFamily="34" charset="0"/>
+              <a:buChar char="•"/>
+              <a:defRPr sz="2400" kern="1200">
+                <a:solidFill>
+                  <a:schemeClr val="tx1"/>
+                </a:solidFill>
+                <a:latin typeface="+mn-lt"/>
+                <a:ea typeface="+mn-ea"/>
+                <a:cs typeface="+mn-cs"/>
+              </a:defRPr>
+            </a:lvl2pPr>
+            <a:lvl3pPr marL="1143000" indent="-228600" algn="l" defTabSz="914400" rtl="0" eaLnBrk="1" latinLnBrk="0" hangingPunct="1">
+              <a:lnSpc>
+                <a:spcPct val="90000"/>
+              </a:lnSpc>
+              <a:spcBef>
+                <a:spcPts val="500"/>
+              </a:spcBef>
+              <a:buFont typeface="Arial" panose="020B0604020202020204" pitchFamily="34" charset="0"/>
+              <a:buChar char="•"/>
+              <a:defRPr sz="2000" kern="1200">
+                <a:solidFill>
+                  <a:schemeClr val="tx1"/>
+                </a:solidFill>
+                <a:latin typeface="+mn-lt"/>
+                <a:ea typeface="+mn-ea"/>
+                <a:cs typeface="+mn-cs"/>
+              </a:defRPr>
+            </a:lvl3pPr>
+            <a:lvl4pPr marL="1600200" indent="-228600" algn="l" defTabSz="914400" rtl="0" eaLnBrk="1" latinLnBrk="0" hangingPunct="1">
+              <a:lnSpc>
+                <a:spcPct val="90000"/>
+              </a:lnSpc>
+              <a:spcBef>
+                <a:spcPts val="500"/>
+              </a:spcBef>
+              <a:buFont typeface="Arial" panose="020B0604020202020204" pitchFamily="34" charset="0"/>
+              <a:buChar char="•"/>
+              <a:defRPr sz="1800" kern="1200">
+                <a:solidFill>
+                  <a:schemeClr val="tx1"/>
+                </a:solidFill>
+                <a:latin typeface="+mn-lt"/>
+                <a:ea typeface="+mn-ea"/>
+                <a:cs typeface="+mn-cs"/>
+              </a:defRPr>
+            </a:lvl4pPr>
+            <a:lvl5pPr marL="2057400" indent="-228600" algn="l" defTabSz="914400" rtl="0" eaLnBrk="1" latinLnBrk="0" hangingPunct="1">
+              <a:lnSpc>
+                <a:spcPct val="90000"/>
+              </a:lnSpc>
+              <a:spcBef>
+                <a:spcPts val="500"/>
+              </a:spcBef>
+              <a:buFont typeface="Arial" panose="020B0604020202020204" pitchFamily="34" charset="0"/>
+              <a:buChar char="•"/>
+              <a:defRPr sz="1800" kern="1200">
+                <a:solidFill>
+                  <a:schemeClr val="tx1"/>
+                </a:solidFill>
+                <a:latin typeface="+mn-lt"/>
+                <a:ea typeface="+mn-ea"/>
+                <a:cs typeface="+mn-cs"/>
+              </a:defRPr>
+            </a:lvl5pPr>
+            <a:lvl6pPr marL="2514600" indent="-228600" algn="l" defTabSz="914400" rtl="0" eaLnBrk="1" latinLnBrk="0" hangingPunct="1">
+              <a:lnSpc>
+                <a:spcPct val="90000"/>
+              </a:lnSpc>
+              <a:spcBef>
+                <a:spcPts val="500"/>
+              </a:spcBef>
+              <a:buFont typeface="Arial" panose="020B0604020202020204" pitchFamily="34" charset="0"/>
+              <a:buChar char="•"/>
+              <a:defRPr sz="1800" kern="1200">
+                <a:solidFill>
+                  <a:schemeClr val="tx1"/>
+                </a:solidFill>
+                <a:latin typeface="+mn-lt"/>
+                <a:ea typeface="+mn-ea"/>
+                <a:cs typeface="+mn-cs"/>
+              </a:defRPr>
+            </a:lvl6pPr>
+            <a:lvl7pPr marL="2971800" indent="-228600" algn="l" defTabSz="914400" rtl="0" eaLnBrk="1" latinLnBrk="0" hangingPunct="1">
+              <a:lnSpc>
+                <a:spcPct val="90000"/>
+              </a:lnSpc>
+              <a:spcBef>
+                <a:spcPts val="500"/>
+              </a:spcBef>
+              <a:buFont typeface="Arial" panose="020B0604020202020204" pitchFamily="34" charset="0"/>
+              <a:buChar char="•"/>
+              <a:defRPr sz="1800" kern="1200">
+                <a:solidFill>
+                  <a:schemeClr val="tx1"/>
+                </a:solidFill>
+                <a:latin typeface="+mn-lt"/>
+                <a:ea typeface="+mn-ea"/>
+                <a:cs typeface="+mn-cs"/>
+              </a:defRPr>
+            </a:lvl7pPr>
+            <a:lvl8pPr marL="3429000" indent="-228600" algn="l" defTabSz="914400" rtl="0" eaLnBrk="1" latinLnBrk="0" hangingPunct="1">
+              <a:lnSpc>
+                <a:spcPct val="90000"/>
+              </a:lnSpc>
+              <a:spcBef>
+                <a:spcPts val="500"/>
+              </a:spcBef>
+              <a:buFont typeface="Arial" panose="020B0604020202020204" pitchFamily="34" charset="0"/>
+              <a:buChar char="•"/>
+              <a:defRPr sz="1800" kern="1200">
+                <a:solidFill>
+                  <a:schemeClr val="tx1"/>
+                </a:solidFill>
+                <a:latin typeface="+mn-lt"/>
+                <a:ea typeface="+mn-ea"/>
+                <a:cs typeface="+mn-cs"/>
+              </a:defRPr>
+            </a:lvl8pPr>
+            <a:lvl9pPr marL="3886200" indent="-228600" algn="l" defTabSz="914400" rtl="0" eaLnBrk="1" latinLnBrk="0" hangingPunct="1">
+              <a:lnSpc>
+                <a:spcPct val="90000"/>
+              </a:lnSpc>
+              <a:spcBef>
+                <a:spcPts val="500"/>
+              </a:spcBef>
+              <a:buFont typeface="Arial" panose="020B0604020202020204" pitchFamily="34" charset="0"/>
+              <a:buChar char="•"/>
+              <a:defRPr sz="1800" kern="1200">
+                <a:solidFill>
+                  <a:schemeClr val="tx1"/>
+                </a:solidFill>
+                <a:latin typeface="+mn-lt"/>
+                <a:ea typeface="+mn-ea"/>
+                <a:cs typeface="+mn-cs"/>
+              </a:defRPr>
+            </a:lvl9pPr>
+          </a:lstStyle>
+          <a:p>
+            <a:pPr marL="0" indent="0">
+              <a:buNone/>
+            </a:pPr>
+            <a:r>
+              <a:rPr lang="zh-CN" altLang="en-US" dirty="0"/>
+              <a:t>远行效果</a:t>
+            </a:r>
           </a:p>
         </p:txBody>
       </p:sp>
     </p:spTree>
     <p:extLst>
       <p:ext uri="{BB962C8B-B14F-4D97-AF65-F5344CB8AC3E}">
-        <p14:creationId xmlns:p14="http://schemas.microsoft.com/office/powerpoint/2010/main" val="679105993"/>
+        <p14:creationId xmlns:p14="http://schemas.microsoft.com/office/powerpoint/2010/main" val="2025204418"/>
       </p:ext>
     </p:extLst>
   </p:cSld>
@@ -3990,10 +4305,10 @@
       </p:grpSpPr>
       <p:pic>
         <p:nvPicPr>
-          <p:cNvPr id="2" name="图片 1">
-            <a:extLst>
-              <a:ext uri="{FF2B5EF4-FFF2-40B4-BE49-F238E27FC236}">
-                <a16:creationId xmlns:a16="http://schemas.microsoft.com/office/drawing/2014/main" id="{C66479B9-716A-4B7C-A752-DDBEEC0E3B80}"/>
+          <p:cNvPr id="5" name="图片 4">
+            <a:extLst>
+              <a:ext uri="{FF2B5EF4-FFF2-40B4-BE49-F238E27FC236}">
+                <a16:creationId xmlns:a16="http://schemas.microsoft.com/office/drawing/2014/main" id="{B8409408-1846-49BA-8DDD-188FE7D9CE9E}"/>
               </a:ext>
             </a:extLst>
           </p:cNvPr>
@@ -4010,8 +4325,8 @@
         </p:blipFill>
         <p:spPr>
           <a:xfrm>
-            <a:off x="1178413" y="129452"/>
-            <a:ext cx="4230254" cy="2784684"/>
+            <a:off x="201992" y="377519"/>
+            <a:ext cx="3326300" cy="2085269"/>
           </a:xfrm>
           <a:prstGeom prst="rect">
             <a:avLst/>
@@ -4020,10 +4335,10 @@
       </p:pic>
       <p:pic>
         <p:nvPicPr>
-          <p:cNvPr id="4" name="图片 3">
-            <a:extLst>
-              <a:ext uri="{FF2B5EF4-FFF2-40B4-BE49-F238E27FC236}">
-                <a16:creationId xmlns:a16="http://schemas.microsoft.com/office/drawing/2014/main" id="{12E08B4B-A9CD-4569-88EE-1F04EC7D7DBB}"/>
+          <p:cNvPr id="9" name="图片 8">
+            <a:extLst>
+              <a:ext uri="{FF2B5EF4-FFF2-40B4-BE49-F238E27FC236}">
+                <a16:creationId xmlns:a16="http://schemas.microsoft.com/office/drawing/2014/main" id="{B8ACE81B-3FDF-484B-9492-17D8D97D65B0}"/>
               </a:ext>
             </a:extLst>
           </p:cNvPr>
@@ -4040,20 +4355,80 @@
         </p:blipFill>
         <p:spPr>
           <a:xfrm>
-            <a:off x="1428212" y="2898665"/>
-            <a:ext cx="5344606" cy="3948403"/>
+            <a:off x="4285672" y="168402"/>
+            <a:ext cx="3094182" cy="3144393"/>
           </a:xfrm>
           <a:prstGeom prst="rect">
             <a:avLst/>
           </a:prstGeom>
         </p:spPr>
       </p:pic>
-      <p:sp>
-        <p:nvSpPr>
-          <p:cNvPr id="5" name="箭头: 右 4">
-            <a:extLst>
-              <a:ext uri="{FF2B5EF4-FFF2-40B4-BE49-F238E27FC236}">
-                <a16:creationId xmlns:a16="http://schemas.microsoft.com/office/drawing/2014/main" id="{705D076E-9682-4A25-B6EF-A2B9B3266B21}"/>
+      <p:pic>
+        <p:nvPicPr>
+          <p:cNvPr id="19" name="图片 18">
+            <a:extLst>
+              <a:ext uri="{FF2B5EF4-FFF2-40B4-BE49-F238E27FC236}">
+                <a16:creationId xmlns:a16="http://schemas.microsoft.com/office/drawing/2014/main" id="{84ABCD92-26A0-4D98-B2A0-32F24613A347}"/>
+              </a:ext>
+            </a:extLst>
+          </p:cNvPr>
+          <p:cNvPicPr>
+            <a:picLocks noChangeAspect="1"/>
+          </p:cNvPicPr>
+          <p:nvPr/>
+        </p:nvPicPr>
+        <p:blipFill>
+          <a:blip r:embed="rId4"/>
+          <a:stretch>
+            <a:fillRect/>
+          </a:stretch>
+        </p:blipFill>
+        <p:spPr>
+          <a:xfrm>
+            <a:off x="7048089" y="3836128"/>
+            <a:ext cx="4861940" cy="2799694"/>
+          </a:xfrm>
+          <a:prstGeom prst="rect">
+            <a:avLst/>
+          </a:prstGeom>
+        </p:spPr>
+      </p:pic>
+      <p:pic>
+        <p:nvPicPr>
+          <p:cNvPr id="21" name="图片 20">
+            <a:extLst>
+              <a:ext uri="{FF2B5EF4-FFF2-40B4-BE49-F238E27FC236}">
+                <a16:creationId xmlns:a16="http://schemas.microsoft.com/office/drawing/2014/main" id="{E2766605-EC4F-4D77-BA02-AC5AE1552E38}"/>
+              </a:ext>
+            </a:extLst>
+          </p:cNvPr>
+          <p:cNvPicPr>
+            <a:picLocks noChangeAspect="1"/>
+          </p:cNvPicPr>
+          <p:nvPr/>
+        </p:nvPicPr>
+        <p:blipFill>
+          <a:blip r:embed="rId5"/>
+          <a:stretch>
+            <a:fillRect/>
+          </a:stretch>
+        </p:blipFill>
+        <p:spPr>
+          <a:xfrm>
+            <a:off x="512058" y="3381522"/>
+            <a:ext cx="5302232" cy="3360942"/>
+          </a:xfrm>
+          <a:prstGeom prst="rect">
+            <a:avLst/>
+          </a:prstGeom>
+        </p:spPr>
+      </p:pic>
+      <p:sp>
+        <p:nvSpPr>
+          <p:cNvPr id="24" name="箭头: 右 23">
+            <a:extLst>
+              <a:ext uri="{FF2B5EF4-FFF2-40B4-BE49-F238E27FC236}">
+                <a16:creationId xmlns:a16="http://schemas.microsoft.com/office/drawing/2014/main" id="{440C4813-DC9F-4FFA-9989-296FB643541C}"/>
               </a:ext>
             </a:extLst>
           </p:cNvPr>
@@ -4062,7 +4437,7 @@
         </p:nvSpPr>
         <p:spPr>
           <a:xfrm>
-            <a:off x="5825584" y="1332065"/>
+            <a:off x="3713018" y="1514764"/>
             <a:ext cx="646546" cy="581891"/>
           </a:xfrm>
           <a:prstGeom prst="rightArrow">
@@ -4106,42 +4481,12 @@
           </a:p>
         </p:txBody>
       </p:sp>
-      <p:pic>
-        <p:nvPicPr>
-          <p:cNvPr id="9" name="图片 8">
-            <a:extLst>
-              <a:ext uri="{FF2B5EF4-FFF2-40B4-BE49-F238E27FC236}">
-                <a16:creationId xmlns:a16="http://schemas.microsoft.com/office/drawing/2014/main" id="{2E72F099-C48C-4F45-819C-757E67610E20}"/>
-              </a:ext>
-            </a:extLst>
-          </p:cNvPr>
-          <p:cNvPicPr>
-            <a:picLocks noChangeAspect="1"/>
-          </p:cNvPicPr>
-          <p:nvPr/>
-        </p:nvPicPr>
-        <p:blipFill>
-          <a:blip r:embed="rId4"/>
-          <a:stretch>
-            <a:fillRect/>
-          </a:stretch>
-        </p:blipFill>
-        <p:spPr>
-          <a:xfrm>
-            <a:off x="7305964" y="129452"/>
-            <a:ext cx="4734285" cy="4066923"/>
-          </a:xfrm>
-          <a:prstGeom prst="rect">
-            <a:avLst/>
-          </a:prstGeom>
-        </p:spPr>
-      </p:pic>
-      <p:sp>
-        <p:nvSpPr>
-          <p:cNvPr id="10" name="箭头: 直角上 9">
-            <a:extLst>
-              <a:ext uri="{FF2B5EF4-FFF2-40B4-BE49-F238E27FC236}">
-                <a16:creationId xmlns:a16="http://schemas.microsoft.com/office/drawing/2014/main" id="{4F033642-C2E9-40B4-8410-DF3985BA86B9}"/>
+      <p:sp>
+        <p:nvSpPr>
+          <p:cNvPr id="25" name="箭头: 右 24">
+            <a:extLst>
+              <a:ext uri="{FF2B5EF4-FFF2-40B4-BE49-F238E27FC236}">
+                <a16:creationId xmlns:a16="http://schemas.microsoft.com/office/drawing/2014/main" id="{61098009-D4BC-41A5-B84F-342C43D14C3A}"/>
               </a:ext>
             </a:extLst>
           </p:cNvPr>
@@ -4149,11 +4494,11 @@
           <p:nvPr/>
         </p:nvSpPr>
         <p:spPr>
-          <a:xfrm rot="5400000" flipV="1">
-            <a:off x="8443655" y="4514967"/>
-            <a:ext cx="713788" cy="1104952"/>
-          </a:xfrm>
-          <a:prstGeom prst="bentUpArrow">
+          <a:xfrm>
+            <a:off x="7305962" y="1514764"/>
+            <a:ext cx="646546" cy="581891"/>
+          </a:xfrm>
+          <a:prstGeom prst="rightArrow">
             <a:avLst/>
           </a:prstGeom>
           <a:solidFill>
@@ -4192,10 +4537,10 @@
       </p:sp>
       <p:sp>
         <p:nvSpPr>
-          <p:cNvPr id="12" name="箭头: 直角上 11">
-            <a:extLst>
-              <a:ext uri="{FF2B5EF4-FFF2-40B4-BE49-F238E27FC236}">
-                <a16:creationId xmlns:a16="http://schemas.microsoft.com/office/drawing/2014/main" id="{2EBDDE26-AF3F-482A-B81C-56A3454F209B}"/>
+          <p:cNvPr id="26" name="箭头: 右 25">
+            <a:extLst>
+              <a:ext uri="{FF2B5EF4-FFF2-40B4-BE49-F238E27FC236}">
+                <a16:creationId xmlns:a16="http://schemas.microsoft.com/office/drawing/2014/main" id="{BBD39C6E-B1CD-489A-96D6-E9C889F9B422}"/>
               </a:ext>
             </a:extLst>
           </p:cNvPr>
@@ -4204,10 +4549,10 @@
         </p:nvSpPr>
         <p:spPr>
           <a:xfrm rot="5400000">
-            <a:off x="81342" y="1201712"/>
-            <a:ext cx="526473" cy="640164"/>
-          </a:xfrm>
-          <a:prstGeom prst="bentUpArrow">
+            <a:off x="9564803" y="3156527"/>
+            <a:ext cx="646546" cy="581891"/>
+          </a:xfrm>
+          <a:prstGeom prst="rightArrow">
             <a:avLst/>
           </a:prstGeom>
           <a:solidFill>
@@ -4246,10 +4591,10 @@
       </p:sp>
       <p:sp>
         <p:nvSpPr>
-          <p:cNvPr id="13" name="箭头: 直角上 12">
-            <a:extLst>
-              <a:ext uri="{FF2B5EF4-FFF2-40B4-BE49-F238E27FC236}">
-                <a16:creationId xmlns:a16="http://schemas.microsoft.com/office/drawing/2014/main" id="{6A6813C5-D1FD-4A5F-88AF-58C1684DAA5B}"/>
+          <p:cNvPr id="27" name="箭头: 右 26">
+            <a:extLst>
+              <a:ext uri="{FF2B5EF4-FFF2-40B4-BE49-F238E27FC236}">
+                <a16:creationId xmlns:a16="http://schemas.microsoft.com/office/drawing/2014/main" id="{1871C294-B1B3-4B6E-BEAC-93478A2CEA86}"/>
               </a:ext>
             </a:extLst>
           </p:cNvPr>
@@ -4258,10 +4603,10 @@
         </p:nvSpPr>
         <p:spPr>
           <a:xfrm rot="10800000">
-            <a:off x="-14415" y="5006223"/>
-            <a:ext cx="526473" cy="640164"/>
-          </a:xfrm>
-          <a:prstGeom prst="bentUpArrow">
+            <a:off x="5841999" y="4744413"/>
+            <a:ext cx="646546" cy="581891"/>
+          </a:xfrm>
+          <a:prstGeom prst="rightArrow">
             <a:avLst/>
           </a:prstGeom>
           <a:solidFill>
@@ -4298,10 +4643,94 @@
           </a:p>
         </p:txBody>
       </p:sp>
+      <p:pic>
+        <p:nvPicPr>
+          <p:cNvPr id="30" name="图片 29">
+            <a:extLst>
+              <a:ext uri="{FF2B5EF4-FFF2-40B4-BE49-F238E27FC236}">
+                <a16:creationId xmlns:a16="http://schemas.microsoft.com/office/drawing/2014/main" id="{FEC8EB2D-57FA-4F5B-8849-D248F0A98826}"/>
+              </a:ext>
+            </a:extLst>
+          </p:cNvPr>
+          <p:cNvPicPr>
+            <a:picLocks noChangeAspect="1"/>
+          </p:cNvPicPr>
+          <p:nvPr/>
+        </p:nvPicPr>
+        <p:blipFill>
+          <a:blip r:embed="rId6"/>
+          <a:stretch>
+            <a:fillRect/>
+          </a:stretch>
+        </p:blipFill>
+        <p:spPr>
+          <a:xfrm>
+            <a:off x="7952508" y="91221"/>
+            <a:ext cx="4083705" cy="3207719"/>
+          </a:xfrm>
+          <a:prstGeom prst="rect">
+            <a:avLst/>
+          </a:prstGeom>
+        </p:spPr>
+      </p:pic>
+      <p:sp>
+        <p:nvSpPr>
+          <p:cNvPr id="31" name="箭头: 直角上 30">
+            <a:extLst>
+              <a:ext uri="{FF2B5EF4-FFF2-40B4-BE49-F238E27FC236}">
+                <a16:creationId xmlns:a16="http://schemas.microsoft.com/office/drawing/2014/main" id="{83AE50BF-C93C-4257-8AA6-9F9E28CAAC66}"/>
+              </a:ext>
+            </a:extLst>
+          </p:cNvPr>
+          <p:cNvSpPr/>
+          <p:nvPr/>
+        </p:nvSpPr>
+        <p:spPr>
+          <a:xfrm rot="10800000">
+            <a:off x="-14415" y="5006223"/>
+            <a:ext cx="526473" cy="640164"/>
+          </a:xfrm>
+          <a:prstGeom prst="bentUpArrow">
+            <a:avLst/>
+          </a:prstGeom>
+          <a:solidFill>
+            <a:srgbClr val="FF0000"/>
+          </a:solidFill>
+          <a:ln>
+            <a:solidFill>
+              <a:srgbClr val="FF0000"/>
+            </a:solidFill>
+          </a:ln>
+        </p:spPr>
+        <p:style>
+          <a:lnRef idx="2">
+            <a:schemeClr val="accent1">
+              <a:shade val="50000"/>
+            </a:schemeClr>
+          </a:lnRef>
+          <a:fillRef idx="1">
+            <a:schemeClr val="accent1"/>
+          </a:fillRef>
+          <a:effectRef idx="0">
+            <a:schemeClr val="accent1"/>
+          </a:effectRef>
+          <a:fontRef idx="minor">
+            <a:schemeClr val="lt1"/>
+          </a:fontRef>
+        </p:style>
+        <p:txBody>
+          <a:bodyPr rtlCol="0" anchor="ctr"/>
+          <a:lstStyle/>
+          <a:p>
+            <a:pPr algn="ctr"/>
+            <a:endParaRPr lang="zh-CN" altLang="en-US"/>
+          </a:p>
+        </p:txBody>
+      </p:sp>
     </p:spTree>
     <p:extLst>
       <p:ext uri="{BB962C8B-B14F-4D97-AF65-F5344CB8AC3E}">
-        <p14:creationId xmlns:p14="http://schemas.microsoft.com/office/powerpoint/2010/main" val="3283088806"/>
+        <p14:creationId xmlns:p14="http://schemas.microsoft.com/office/powerpoint/2010/main" val="679105993"/>
       </p:ext>
     </p:extLst>
   </p:cSld>
@@ -4330,10 +4759,10 @@
       </p:grpSpPr>
       <p:pic>
         <p:nvPicPr>
-          <p:cNvPr id="3" name="图片 2">
-            <a:extLst>
-              <a:ext uri="{FF2B5EF4-FFF2-40B4-BE49-F238E27FC236}">
-                <a16:creationId xmlns:a16="http://schemas.microsoft.com/office/drawing/2014/main" id="{0504C80B-5A69-4D59-A2B3-59B829A9B88D}"/>
+          <p:cNvPr id="2" name="图片 1">
+            <a:extLst>
+              <a:ext uri="{FF2B5EF4-FFF2-40B4-BE49-F238E27FC236}">
+                <a16:creationId xmlns:a16="http://schemas.microsoft.com/office/drawing/2014/main" id="{C66479B9-716A-4B7C-A752-DDBEEC0E3B80}"/>
               </a:ext>
             </a:extLst>
           </p:cNvPr>
@@ -4350,20 +4779,50 @@
         </p:blipFill>
         <p:spPr>
           <a:xfrm>
-            <a:off x="664661" y="96982"/>
-            <a:ext cx="4784607" cy="2996826"/>
+            <a:off x="1178413" y="129452"/>
+            <a:ext cx="4230254" cy="2784684"/>
           </a:xfrm>
           <a:prstGeom prst="rect">
             <a:avLst/>
           </a:prstGeom>
         </p:spPr>
       </p:pic>
-      <p:sp>
-        <p:nvSpPr>
-          <p:cNvPr id="4" name="箭头: 直角上 3">
-            <a:extLst>
-              <a:ext uri="{FF2B5EF4-FFF2-40B4-BE49-F238E27FC236}">
-                <a16:creationId xmlns:a16="http://schemas.microsoft.com/office/drawing/2014/main" id="{B30C7EC5-1147-46DC-93AD-BE538B77CCA1}"/>
+      <p:pic>
+        <p:nvPicPr>
+          <p:cNvPr id="4" name="图片 3">
+            <a:extLst>
+              <a:ext uri="{FF2B5EF4-FFF2-40B4-BE49-F238E27FC236}">
+                <a16:creationId xmlns:a16="http://schemas.microsoft.com/office/drawing/2014/main" id="{12E08B4B-A9CD-4569-88EE-1F04EC7D7DBB}"/>
+              </a:ext>
+            </a:extLst>
+          </p:cNvPr>
+          <p:cNvPicPr>
+            <a:picLocks noChangeAspect="1"/>
+          </p:cNvPicPr>
+          <p:nvPr/>
+        </p:nvPicPr>
+        <p:blipFill>
+          <a:blip r:embed="rId3"/>
+          <a:stretch>
+            <a:fillRect/>
+          </a:stretch>
+        </p:blipFill>
+        <p:spPr>
+          <a:xfrm>
+            <a:off x="1428212" y="2898665"/>
+            <a:ext cx="5344606" cy="3948403"/>
+          </a:xfrm>
+          <a:prstGeom prst="rect">
+            <a:avLst/>
+          </a:prstGeom>
+        </p:spPr>
+      </p:pic>
+      <p:sp>
+        <p:nvSpPr>
+          <p:cNvPr id="5" name="箭头: 右 4">
+            <a:extLst>
+              <a:ext uri="{FF2B5EF4-FFF2-40B4-BE49-F238E27FC236}">
+                <a16:creationId xmlns:a16="http://schemas.microsoft.com/office/drawing/2014/main" id="{705D076E-9682-4A25-B6EF-A2B9B3266B21}"/>
               </a:ext>
             </a:extLst>
           </p:cNvPr>
@@ -4371,11 +4830,11 @@
           <p:nvPr/>
         </p:nvSpPr>
         <p:spPr>
-          <a:xfrm rot="5400000">
-            <a:off x="81342" y="1201712"/>
-            <a:ext cx="526473" cy="640164"/>
-          </a:xfrm>
-          <a:prstGeom prst="bentUpArrow">
+          <a:xfrm>
+            <a:off x="5825584" y="1332065"/>
+            <a:ext cx="646546" cy="581891"/>
+          </a:xfrm>
+          <a:prstGeom prst="rightArrow">
             <a:avLst/>
           </a:prstGeom>
           <a:solidFill>
@@ -4408,16 +4867,50 @@
           <a:lstStyle/>
           <a:p>
             <a:pPr algn="ctr"/>
-            <a:endParaRPr lang="zh-CN" altLang="en-US"/>
-          </a:p>
-        </p:txBody>
-      </p:sp>
-      <p:sp>
-        <p:nvSpPr>
-          <p:cNvPr id="5" name="箭头: 直角上 4">
-            <a:extLst>
-              <a:ext uri="{FF2B5EF4-FFF2-40B4-BE49-F238E27FC236}">
-                <a16:creationId xmlns:a16="http://schemas.microsoft.com/office/drawing/2014/main" id="{B143C62F-61BE-4579-B98E-D8445EB922CC}"/>
+            <a:endParaRPr lang="zh-CN" altLang="en-US">
+              <a:solidFill>
+                <a:srgbClr val="FF0000"/>
+              </a:solidFill>
+            </a:endParaRPr>
+          </a:p>
+        </p:txBody>
+      </p:sp>
+      <p:pic>
+        <p:nvPicPr>
+          <p:cNvPr id="9" name="图片 8">
+            <a:extLst>
+              <a:ext uri="{FF2B5EF4-FFF2-40B4-BE49-F238E27FC236}">
+                <a16:creationId xmlns:a16="http://schemas.microsoft.com/office/drawing/2014/main" id="{2E72F099-C48C-4F45-819C-757E67610E20}"/>
+              </a:ext>
+            </a:extLst>
+          </p:cNvPr>
+          <p:cNvPicPr>
+            <a:picLocks noChangeAspect="1"/>
+          </p:cNvPicPr>
+          <p:nvPr/>
+        </p:nvPicPr>
+        <p:blipFill>
+          <a:blip r:embed="rId4"/>
+          <a:stretch>
+            <a:fillRect/>
+          </a:stretch>
+        </p:blipFill>
+        <p:spPr>
+          <a:xfrm>
+            <a:off x="7305964" y="129452"/>
+            <a:ext cx="4734285" cy="4066923"/>
+          </a:xfrm>
+          <a:prstGeom prst="rect">
+            <a:avLst/>
+          </a:prstGeom>
+        </p:spPr>
+      </p:pic>
+      <p:sp>
+        <p:nvSpPr>
+          <p:cNvPr id="10" name="箭头: 直角上 9">
+            <a:extLst>
+              <a:ext uri="{FF2B5EF4-FFF2-40B4-BE49-F238E27FC236}">
+                <a16:creationId xmlns:a16="http://schemas.microsoft.com/office/drawing/2014/main" id="{4F033642-C2E9-40B4-8410-DF3985BA86B9}"/>
               </a:ext>
             </a:extLst>
           </p:cNvPr>
@@ -4425,9 +4918,9 @@
           <p:nvPr/>
         </p:nvSpPr>
         <p:spPr>
-          <a:xfrm rot="10800000">
-            <a:off x="0" y="5740969"/>
-            <a:ext cx="526473" cy="640164"/>
+          <a:xfrm rot="5400000" flipV="1">
+            <a:off x="8443655" y="4514967"/>
+            <a:ext cx="713788" cy="1104952"/>
           </a:xfrm>
           <a:prstGeom prst="bentUpArrow">
             <a:avLst/>
@@ -4466,139 +4959,12 @@
           </a:p>
         </p:txBody>
       </p:sp>
-      <p:pic>
-        <p:nvPicPr>
-          <p:cNvPr id="7" name="图片 6">
-            <a:extLst>
-              <a:ext uri="{FF2B5EF4-FFF2-40B4-BE49-F238E27FC236}">
-                <a16:creationId xmlns:a16="http://schemas.microsoft.com/office/drawing/2014/main" id="{C27AE3B1-4E4C-41BA-80B9-E94AAABE395B}"/>
-              </a:ext>
-            </a:extLst>
-          </p:cNvPr>
-          <p:cNvPicPr>
-            <a:picLocks noChangeAspect="1"/>
-          </p:cNvPicPr>
-          <p:nvPr/>
-        </p:nvPicPr>
-        <p:blipFill rotWithShape="1">
-          <a:blip r:embed="rId3"/>
-          <a:srcRect b="41633"/>
-          <a:stretch/>
-        </p:blipFill>
-        <p:spPr>
-          <a:xfrm>
-            <a:off x="6472130" y="5280697"/>
-            <a:ext cx="3565282" cy="1560709"/>
-          </a:xfrm>
-          <a:prstGeom prst="rect">
-            <a:avLst/>
-          </a:prstGeom>
-        </p:spPr>
-      </p:pic>
-      <p:pic>
-        <p:nvPicPr>
-          <p:cNvPr id="9" name="图片 8">
-            <a:extLst>
-              <a:ext uri="{FF2B5EF4-FFF2-40B4-BE49-F238E27FC236}">
-                <a16:creationId xmlns:a16="http://schemas.microsoft.com/office/drawing/2014/main" id="{0CC0E5B6-2AB6-475A-9DEB-F7D820578BA5}"/>
-              </a:ext>
-            </a:extLst>
-          </p:cNvPr>
-          <p:cNvPicPr>
-            <a:picLocks noChangeAspect="1"/>
-          </p:cNvPicPr>
-          <p:nvPr/>
-        </p:nvPicPr>
-        <p:blipFill>
-          <a:blip r:embed="rId4"/>
-          <a:stretch>
-            <a:fillRect/>
-          </a:stretch>
-        </p:blipFill>
-        <p:spPr>
-          <a:xfrm>
-            <a:off x="6645223" y="16594"/>
-            <a:ext cx="4907244" cy="2847954"/>
-          </a:xfrm>
-          <a:prstGeom prst="rect">
-            <a:avLst/>
-          </a:prstGeom>
-        </p:spPr>
-      </p:pic>
-      <p:sp>
-        <p:nvSpPr>
-          <p:cNvPr id="12" name="文本框 11">
-            <a:extLst>
-              <a:ext uri="{FF2B5EF4-FFF2-40B4-BE49-F238E27FC236}">
-                <a16:creationId xmlns:a16="http://schemas.microsoft.com/office/drawing/2014/main" id="{02E39B16-E22F-44AE-8F23-73AFB6245E10}"/>
-              </a:ext>
-            </a:extLst>
-          </p:cNvPr>
-          <p:cNvSpPr txBox="1"/>
-          <p:nvPr/>
-        </p:nvSpPr>
-        <p:spPr>
-          <a:xfrm>
-            <a:off x="5774859" y="2968790"/>
-            <a:ext cx="6417141" cy="369332"/>
-          </a:xfrm>
-          <a:prstGeom prst="rect">
-            <a:avLst/>
-          </a:prstGeom>
-          <a:noFill/>
-        </p:spPr>
-        <p:txBody>
-          <a:bodyPr wrap="none" rtlCol="0">
-            <a:spAutoFit/>
-          </a:bodyPr>
-          <a:lstStyle/>
-          <a:p>
-            <a:r>
-              <a:rPr lang="zh-CN" altLang="en-US" dirty="0">
-                <a:solidFill>
-                  <a:srgbClr val="FF0000"/>
-                </a:solidFill>
-              </a:rPr>
-              <a:t>远行的时候要是出现下面错误，打开微信开发者工具服务端口</a:t>
-            </a:r>
-          </a:p>
-        </p:txBody>
-      </p:sp>
-      <p:pic>
-        <p:nvPicPr>
-          <p:cNvPr id="14" name="图片 13">
-            <a:extLst>
-              <a:ext uri="{FF2B5EF4-FFF2-40B4-BE49-F238E27FC236}">
-                <a16:creationId xmlns:a16="http://schemas.microsoft.com/office/drawing/2014/main" id="{3C65A9B0-D1EA-4D2E-862F-A694E3F271E4}"/>
-              </a:ext>
-            </a:extLst>
-          </p:cNvPr>
-          <p:cNvPicPr>
-            <a:picLocks noChangeAspect="1"/>
-          </p:cNvPicPr>
-          <p:nvPr/>
-        </p:nvPicPr>
-        <p:blipFill rotWithShape="1">
-          <a:blip r:embed="rId5"/>
-          <a:srcRect r="10139"/>
-          <a:stretch/>
-        </p:blipFill>
-        <p:spPr>
-          <a:xfrm>
-            <a:off x="5888922" y="3294337"/>
-            <a:ext cx="6303078" cy="1811064"/>
-          </a:xfrm>
-          <a:prstGeom prst="rect">
-            <a:avLst/>
-          </a:prstGeom>
-        </p:spPr>
-      </p:pic>
-      <p:sp>
-        <p:nvSpPr>
-          <p:cNvPr id="15" name="箭头: 右 14">
-            <a:extLst>
-              <a:ext uri="{FF2B5EF4-FFF2-40B4-BE49-F238E27FC236}">
-                <a16:creationId xmlns:a16="http://schemas.microsoft.com/office/drawing/2014/main" id="{48427F61-D649-4B3E-81B3-1BA46A84A214}"/>
+      <p:sp>
+        <p:nvSpPr>
+          <p:cNvPr id="12" name="箭头: 直角上 11">
+            <a:extLst>
+              <a:ext uri="{FF2B5EF4-FFF2-40B4-BE49-F238E27FC236}">
+                <a16:creationId xmlns:a16="http://schemas.microsoft.com/office/drawing/2014/main" id="{2EBDDE26-AF3F-482A-B81C-56A3454F209B}"/>
               </a:ext>
             </a:extLst>
           </p:cNvPr>
@@ -4606,11 +4972,11 @@
           <p:nvPr/>
         </p:nvSpPr>
         <p:spPr>
-          <a:xfrm>
-            <a:off x="5825584" y="1332065"/>
-            <a:ext cx="646546" cy="581891"/>
-          </a:xfrm>
-          <a:prstGeom prst="rightArrow">
+          <a:xfrm rot="5400000">
+            <a:off x="81342" y="1201712"/>
+            <a:ext cx="526473" cy="640164"/>
+          </a:xfrm>
+          <a:prstGeom prst="bentUpArrow">
             <a:avLst/>
           </a:prstGeom>
           <a:solidFill>
@@ -4643,20 +5009,16 @@
           <a:lstStyle/>
           <a:p>
             <a:pPr algn="ctr"/>
-            <a:endParaRPr lang="zh-CN" altLang="en-US">
-              <a:solidFill>
-                <a:srgbClr val="FF0000"/>
-              </a:solidFill>
-            </a:endParaRPr>
-          </a:p>
-        </p:txBody>
-      </p:sp>
-      <p:sp>
-        <p:nvSpPr>
-          <p:cNvPr id="18" name="箭头: 直角上 17">
-            <a:extLst>
-              <a:ext uri="{FF2B5EF4-FFF2-40B4-BE49-F238E27FC236}">
-                <a16:creationId xmlns:a16="http://schemas.microsoft.com/office/drawing/2014/main" id="{B3EB3E3F-6710-474C-888B-07CDA4B89FC6}"/>
+            <a:endParaRPr lang="zh-CN" altLang="en-US"/>
+          </a:p>
+        </p:txBody>
+      </p:sp>
+      <p:sp>
+        <p:nvSpPr>
+          <p:cNvPr id="13" name="箭头: 直角上 12">
+            <a:extLst>
+              <a:ext uri="{FF2B5EF4-FFF2-40B4-BE49-F238E27FC236}">
+                <a16:creationId xmlns:a16="http://schemas.microsoft.com/office/drawing/2014/main" id="{6A6813C5-D1FD-4A5F-88AF-58C1684DAA5B}"/>
               </a:ext>
             </a:extLst>
           </p:cNvPr>
@@ -4664,9 +5026,9 @@
           <p:nvPr/>
         </p:nvSpPr>
         <p:spPr>
-          <a:xfrm rot="10800000" flipH="1">
-            <a:off x="11671576" y="1332065"/>
-            <a:ext cx="495928" cy="640164"/>
+          <a:xfrm rot="10800000">
+            <a:off x="-14415" y="5006223"/>
+            <a:ext cx="526473" cy="640164"/>
           </a:xfrm>
           <a:prstGeom prst="bentUpArrow">
             <a:avLst/>
@@ -4705,152 +5067,10 @@
           </a:p>
         </p:txBody>
       </p:sp>
-      <p:pic>
-        <p:nvPicPr>
-          <p:cNvPr id="20" name="图片 19">
-            <a:extLst>
-              <a:ext uri="{FF2B5EF4-FFF2-40B4-BE49-F238E27FC236}">
-                <a16:creationId xmlns:a16="http://schemas.microsoft.com/office/drawing/2014/main" id="{7319E486-20C6-4151-A62F-7E36B587F36C}"/>
-              </a:ext>
-            </a:extLst>
-          </p:cNvPr>
-          <p:cNvPicPr>
-            <a:picLocks noChangeAspect="1"/>
-          </p:cNvPicPr>
-          <p:nvPr/>
-        </p:nvPicPr>
-        <p:blipFill>
-          <a:blip r:embed="rId6"/>
-          <a:stretch>
-            <a:fillRect/>
-          </a:stretch>
-        </p:blipFill>
-        <p:spPr>
-          <a:xfrm>
-            <a:off x="606878" y="3163428"/>
-            <a:ext cx="4704202" cy="3597590"/>
-          </a:xfrm>
-          <a:prstGeom prst="rect">
-            <a:avLst/>
-          </a:prstGeom>
-        </p:spPr>
-      </p:pic>
-      <p:sp>
-        <p:nvSpPr>
-          <p:cNvPr id="21" name="箭头: 直角上 20">
-            <a:extLst>
-              <a:ext uri="{FF2B5EF4-FFF2-40B4-BE49-F238E27FC236}">
-                <a16:creationId xmlns:a16="http://schemas.microsoft.com/office/drawing/2014/main" id="{069CD1D6-5179-4A2A-AF7F-560AF4D2E1E5}"/>
-              </a:ext>
-            </a:extLst>
-          </p:cNvPr>
-          <p:cNvSpPr/>
-          <p:nvPr/>
-        </p:nvSpPr>
-        <p:spPr>
-          <a:xfrm rot="16200000" flipH="1">
-            <a:off x="10594384" y="5654821"/>
-            <a:ext cx="459447" cy="668442"/>
-          </a:xfrm>
-          <a:prstGeom prst="bentUpArrow">
-            <a:avLst/>
-          </a:prstGeom>
-          <a:solidFill>
-            <a:srgbClr val="FF0000"/>
-          </a:solidFill>
-          <a:ln>
-            <a:solidFill>
-              <a:srgbClr val="FF0000"/>
-            </a:solidFill>
-          </a:ln>
-        </p:spPr>
-        <p:style>
-          <a:lnRef idx="2">
-            <a:schemeClr val="accent1">
-              <a:shade val="50000"/>
-            </a:schemeClr>
-          </a:lnRef>
-          <a:fillRef idx="1">
-            <a:schemeClr val="accent1"/>
-          </a:fillRef>
-          <a:effectRef idx="0">
-            <a:schemeClr val="accent1"/>
-          </a:effectRef>
-          <a:fontRef idx="minor">
-            <a:schemeClr val="lt1"/>
-          </a:fontRef>
-        </p:style>
-        <p:txBody>
-          <a:bodyPr rtlCol="0" anchor="ctr"/>
-          <a:lstStyle/>
-          <a:p>
-            <a:pPr algn="ctr"/>
-            <a:endParaRPr lang="zh-CN" altLang="en-US"/>
-          </a:p>
-        </p:txBody>
-      </p:sp>
-      <p:sp>
-        <p:nvSpPr>
-          <p:cNvPr id="22" name="箭头: 右 21">
-            <a:extLst>
-              <a:ext uri="{FF2B5EF4-FFF2-40B4-BE49-F238E27FC236}">
-                <a16:creationId xmlns:a16="http://schemas.microsoft.com/office/drawing/2014/main" id="{EF4CB381-002D-4279-89A1-B37A763DF7C6}"/>
-              </a:ext>
-            </a:extLst>
-          </p:cNvPr>
-          <p:cNvSpPr/>
-          <p:nvPr/>
-        </p:nvSpPr>
-        <p:spPr>
-          <a:xfrm rot="10800000">
-            <a:off x="5440281" y="5636875"/>
-            <a:ext cx="646546" cy="581891"/>
-          </a:xfrm>
-          <a:prstGeom prst="rightArrow">
-            <a:avLst/>
-          </a:prstGeom>
-          <a:solidFill>
-            <a:srgbClr val="FF0000"/>
-          </a:solidFill>
-          <a:ln>
-            <a:solidFill>
-              <a:srgbClr val="FF0000"/>
-            </a:solidFill>
-          </a:ln>
-        </p:spPr>
-        <p:style>
-          <a:lnRef idx="2">
-            <a:schemeClr val="accent1">
-              <a:shade val="50000"/>
-            </a:schemeClr>
-          </a:lnRef>
-          <a:fillRef idx="1">
-            <a:schemeClr val="accent1"/>
-          </a:fillRef>
-          <a:effectRef idx="0">
-            <a:schemeClr val="accent1"/>
-          </a:effectRef>
-          <a:fontRef idx="minor">
-            <a:schemeClr val="lt1"/>
-          </a:fontRef>
-        </p:style>
-        <p:txBody>
-          <a:bodyPr rtlCol="0" anchor="ctr"/>
-          <a:lstStyle/>
-          <a:p>
-            <a:pPr algn="ctr"/>
-            <a:endParaRPr lang="zh-CN" altLang="en-US">
-              <a:solidFill>
-                <a:srgbClr val="FF0000"/>
-              </a:solidFill>
-            </a:endParaRPr>
-          </a:p>
-        </p:txBody>
-      </p:sp>
     </p:spTree>
     <p:extLst>
       <p:ext uri="{BB962C8B-B14F-4D97-AF65-F5344CB8AC3E}">
-        <p14:creationId xmlns:p14="http://schemas.microsoft.com/office/powerpoint/2010/main" val="4083958579"/>
+        <p14:creationId xmlns:p14="http://schemas.microsoft.com/office/powerpoint/2010/main" val="3283088806"/>
       </p:ext>
     </p:extLst>
   </p:cSld>
@@ -4882,6 +5102,555 @@
           <p:cNvPr id="3" name="图片 2">
             <a:extLst>
               <a:ext uri="{FF2B5EF4-FFF2-40B4-BE49-F238E27FC236}">
+                <a16:creationId xmlns:a16="http://schemas.microsoft.com/office/drawing/2014/main" id="{0504C80B-5A69-4D59-A2B3-59B829A9B88D}"/>
+              </a:ext>
+            </a:extLst>
+          </p:cNvPr>
+          <p:cNvPicPr>
+            <a:picLocks noChangeAspect="1"/>
+          </p:cNvPicPr>
+          <p:nvPr/>
+        </p:nvPicPr>
+        <p:blipFill>
+          <a:blip r:embed="rId2"/>
+          <a:stretch>
+            <a:fillRect/>
+          </a:stretch>
+        </p:blipFill>
+        <p:spPr>
+          <a:xfrm>
+            <a:off x="664661" y="96982"/>
+            <a:ext cx="4784607" cy="2996826"/>
+          </a:xfrm>
+          <a:prstGeom prst="rect">
+            <a:avLst/>
+          </a:prstGeom>
+        </p:spPr>
+      </p:pic>
+      <p:sp>
+        <p:nvSpPr>
+          <p:cNvPr id="4" name="箭头: 直角上 3">
+            <a:extLst>
+              <a:ext uri="{FF2B5EF4-FFF2-40B4-BE49-F238E27FC236}">
+                <a16:creationId xmlns:a16="http://schemas.microsoft.com/office/drawing/2014/main" id="{B30C7EC5-1147-46DC-93AD-BE538B77CCA1}"/>
+              </a:ext>
+            </a:extLst>
+          </p:cNvPr>
+          <p:cNvSpPr/>
+          <p:nvPr/>
+        </p:nvSpPr>
+        <p:spPr>
+          <a:xfrm rot="5400000">
+            <a:off x="81342" y="1201712"/>
+            <a:ext cx="526473" cy="640164"/>
+          </a:xfrm>
+          <a:prstGeom prst="bentUpArrow">
+            <a:avLst/>
+          </a:prstGeom>
+          <a:solidFill>
+            <a:srgbClr val="FF0000"/>
+          </a:solidFill>
+          <a:ln>
+            <a:solidFill>
+              <a:srgbClr val="FF0000"/>
+            </a:solidFill>
+          </a:ln>
+        </p:spPr>
+        <p:style>
+          <a:lnRef idx="2">
+            <a:schemeClr val="accent1">
+              <a:shade val="50000"/>
+            </a:schemeClr>
+          </a:lnRef>
+          <a:fillRef idx="1">
+            <a:schemeClr val="accent1"/>
+          </a:fillRef>
+          <a:effectRef idx="0">
+            <a:schemeClr val="accent1"/>
+          </a:effectRef>
+          <a:fontRef idx="minor">
+            <a:schemeClr val="lt1"/>
+          </a:fontRef>
+        </p:style>
+        <p:txBody>
+          <a:bodyPr rtlCol="0" anchor="ctr"/>
+          <a:lstStyle/>
+          <a:p>
+            <a:pPr algn="ctr"/>
+            <a:endParaRPr lang="zh-CN" altLang="en-US"/>
+          </a:p>
+        </p:txBody>
+      </p:sp>
+      <p:sp>
+        <p:nvSpPr>
+          <p:cNvPr id="5" name="箭头: 直角上 4">
+            <a:extLst>
+              <a:ext uri="{FF2B5EF4-FFF2-40B4-BE49-F238E27FC236}">
+                <a16:creationId xmlns:a16="http://schemas.microsoft.com/office/drawing/2014/main" id="{B143C62F-61BE-4579-B98E-D8445EB922CC}"/>
+              </a:ext>
+            </a:extLst>
+          </p:cNvPr>
+          <p:cNvSpPr/>
+          <p:nvPr/>
+        </p:nvSpPr>
+        <p:spPr>
+          <a:xfrm rot="10800000">
+            <a:off x="0" y="5740969"/>
+            <a:ext cx="526473" cy="640164"/>
+          </a:xfrm>
+          <a:prstGeom prst="bentUpArrow">
+            <a:avLst/>
+          </a:prstGeom>
+          <a:solidFill>
+            <a:srgbClr val="FF0000"/>
+          </a:solidFill>
+          <a:ln>
+            <a:solidFill>
+              <a:srgbClr val="FF0000"/>
+            </a:solidFill>
+          </a:ln>
+        </p:spPr>
+        <p:style>
+          <a:lnRef idx="2">
+            <a:schemeClr val="accent1">
+              <a:shade val="50000"/>
+            </a:schemeClr>
+          </a:lnRef>
+          <a:fillRef idx="1">
+            <a:schemeClr val="accent1"/>
+          </a:fillRef>
+          <a:effectRef idx="0">
+            <a:schemeClr val="accent1"/>
+          </a:effectRef>
+          <a:fontRef idx="minor">
+            <a:schemeClr val="lt1"/>
+          </a:fontRef>
+        </p:style>
+        <p:txBody>
+          <a:bodyPr rtlCol="0" anchor="ctr"/>
+          <a:lstStyle/>
+          <a:p>
+            <a:pPr algn="ctr"/>
+            <a:endParaRPr lang="zh-CN" altLang="en-US"/>
+          </a:p>
+        </p:txBody>
+      </p:sp>
+      <p:pic>
+        <p:nvPicPr>
+          <p:cNvPr id="7" name="图片 6">
+            <a:extLst>
+              <a:ext uri="{FF2B5EF4-FFF2-40B4-BE49-F238E27FC236}">
+                <a16:creationId xmlns:a16="http://schemas.microsoft.com/office/drawing/2014/main" id="{C27AE3B1-4E4C-41BA-80B9-E94AAABE395B}"/>
+              </a:ext>
+            </a:extLst>
+          </p:cNvPr>
+          <p:cNvPicPr>
+            <a:picLocks noChangeAspect="1"/>
+          </p:cNvPicPr>
+          <p:nvPr/>
+        </p:nvPicPr>
+        <p:blipFill rotWithShape="1">
+          <a:blip r:embed="rId3"/>
+          <a:srcRect b="41633"/>
+          <a:stretch/>
+        </p:blipFill>
+        <p:spPr>
+          <a:xfrm>
+            <a:off x="6472130" y="5280697"/>
+            <a:ext cx="3565282" cy="1560709"/>
+          </a:xfrm>
+          <a:prstGeom prst="rect">
+            <a:avLst/>
+          </a:prstGeom>
+        </p:spPr>
+      </p:pic>
+      <p:pic>
+        <p:nvPicPr>
+          <p:cNvPr id="9" name="图片 8">
+            <a:extLst>
+              <a:ext uri="{FF2B5EF4-FFF2-40B4-BE49-F238E27FC236}">
+                <a16:creationId xmlns:a16="http://schemas.microsoft.com/office/drawing/2014/main" id="{0CC0E5B6-2AB6-475A-9DEB-F7D820578BA5}"/>
+              </a:ext>
+            </a:extLst>
+          </p:cNvPr>
+          <p:cNvPicPr>
+            <a:picLocks noChangeAspect="1"/>
+          </p:cNvPicPr>
+          <p:nvPr/>
+        </p:nvPicPr>
+        <p:blipFill>
+          <a:blip r:embed="rId4"/>
+          <a:stretch>
+            <a:fillRect/>
+          </a:stretch>
+        </p:blipFill>
+        <p:spPr>
+          <a:xfrm>
+            <a:off x="6645223" y="16594"/>
+            <a:ext cx="4907244" cy="2847954"/>
+          </a:xfrm>
+          <a:prstGeom prst="rect">
+            <a:avLst/>
+          </a:prstGeom>
+        </p:spPr>
+      </p:pic>
+      <p:sp>
+        <p:nvSpPr>
+          <p:cNvPr id="12" name="文本框 11">
+            <a:extLst>
+              <a:ext uri="{FF2B5EF4-FFF2-40B4-BE49-F238E27FC236}">
+                <a16:creationId xmlns:a16="http://schemas.microsoft.com/office/drawing/2014/main" id="{02E39B16-E22F-44AE-8F23-73AFB6245E10}"/>
+              </a:ext>
+            </a:extLst>
+          </p:cNvPr>
+          <p:cNvSpPr txBox="1"/>
+          <p:nvPr/>
+        </p:nvSpPr>
+        <p:spPr>
+          <a:xfrm>
+            <a:off x="5774859" y="2968790"/>
+            <a:ext cx="6417141" cy="369332"/>
+          </a:xfrm>
+          <a:prstGeom prst="rect">
+            <a:avLst/>
+          </a:prstGeom>
+          <a:noFill/>
+        </p:spPr>
+        <p:txBody>
+          <a:bodyPr wrap="none" rtlCol="0">
+            <a:spAutoFit/>
+          </a:bodyPr>
+          <a:lstStyle/>
+          <a:p>
+            <a:r>
+              <a:rPr lang="zh-CN" altLang="en-US" dirty="0">
+                <a:solidFill>
+                  <a:srgbClr val="FF0000"/>
+                </a:solidFill>
+              </a:rPr>
+              <a:t>远行的时候要是出现下面错误，打开微信开发者工具服务端口</a:t>
+            </a:r>
+          </a:p>
+        </p:txBody>
+      </p:sp>
+      <p:pic>
+        <p:nvPicPr>
+          <p:cNvPr id="14" name="图片 13">
+            <a:extLst>
+              <a:ext uri="{FF2B5EF4-FFF2-40B4-BE49-F238E27FC236}">
+                <a16:creationId xmlns:a16="http://schemas.microsoft.com/office/drawing/2014/main" id="{3C65A9B0-D1EA-4D2E-862F-A694E3F271E4}"/>
+              </a:ext>
+            </a:extLst>
+          </p:cNvPr>
+          <p:cNvPicPr>
+            <a:picLocks noChangeAspect="1"/>
+          </p:cNvPicPr>
+          <p:nvPr/>
+        </p:nvPicPr>
+        <p:blipFill rotWithShape="1">
+          <a:blip r:embed="rId5"/>
+          <a:srcRect r="10139"/>
+          <a:stretch/>
+        </p:blipFill>
+        <p:spPr>
+          <a:xfrm>
+            <a:off x="5888922" y="3294337"/>
+            <a:ext cx="6303078" cy="1811064"/>
+          </a:xfrm>
+          <a:prstGeom prst="rect">
+            <a:avLst/>
+          </a:prstGeom>
+        </p:spPr>
+      </p:pic>
+      <p:sp>
+        <p:nvSpPr>
+          <p:cNvPr id="15" name="箭头: 右 14">
+            <a:extLst>
+              <a:ext uri="{FF2B5EF4-FFF2-40B4-BE49-F238E27FC236}">
+                <a16:creationId xmlns:a16="http://schemas.microsoft.com/office/drawing/2014/main" id="{48427F61-D649-4B3E-81B3-1BA46A84A214}"/>
+              </a:ext>
+            </a:extLst>
+          </p:cNvPr>
+          <p:cNvSpPr/>
+          <p:nvPr/>
+        </p:nvSpPr>
+        <p:spPr>
+          <a:xfrm>
+            <a:off x="5825584" y="1332065"/>
+            <a:ext cx="646546" cy="581891"/>
+          </a:xfrm>
+          <a:prstGeom prst="rightArrow">
+            <a:avLst/>
+          </a:prstGeom>
+          <a:solidFill>
+            <a:srgbClr val="FF0000"/>
+          </a:solidFill>
+          <a:ln>
+            <a:solidFill>
+              <a:srgbClr val="FF0000"/>
+            </a:solidFill>
+          </a:ln>
+        </p:spPr>
+        <p:style>
+          <a:lnRef idx="2">
+            <a:schemeClr val="accent1">
+              <a:shade val="50000"/>
+            </a:schemeClr>
+          </a:lnRef>
+          <a:fillRef idx="1">
+            <a:schemeClr val="accent1"/>
+          </a:fillRef>
+          <a:effectRef idx="0">
+            <a:schemeClr val="accent1"/>
+          </a:effectRef>
+          <a:fontRef idx="minor">
+            <a:schemeClr val="lt1"/>
+          </a:fontRef>
+        </p:style>
+        <p:txBody>
+          <a:bodyPr rtlCol="0" anchor="ctr"/>
+          <a:lstStyle/>
+          <a:p>
+            <a:pPr algn="ctr"/>
+            <a:endParaRPr lang="zh-CN" altLang="en-US">
+              <a:solidFill>
+                <a:srgbClr val="FF0000"/>
+              </a:solidFill>
+            </a:endParaRPr>
+          </a:p>
+        </p:txBody>
+      </p:sp>
+      <p:sp>
+        <p:nvSpPr>
+          <p:cNvPr id="18" name="箭头: 直角上 17">
+            <a:extLst>
+              <a:ext uri="{FF2B5EF4-FFF2-40B4-BE49-F238E27FC236}">
+                <a16:creationId xmlns:a16="http://schemas.microsoft.com/office/drawing/2014/main" id="{B3EB3E3F-6710-474C-888B-07CDA4B89FC6}"/>
+              </a:ext>
+            </a:extLst>
+          </p:cNvPr>
+          <p:cNvSpPr/>
+          <p:nvPr/>
+        </p:nvSpPr>
+        <p:spPr>
+          <a:xfrm rot="10800000" flipH="1">
+            <a:off x="11671576" y="1332065"/>
+            <a:ext cx="495928" cy="640164"/>
+          </a:xfrm>
+          <a:prstGeom prst="bentUpArrow">
+            <a:avLst/>
+          </a:prstGeom>
+          <a:solidFill>
+            <a:srgbClr val="FF0000"/>
+          </a:solidFill>
+          <a:ln>
+            <a:solidFill>
+              <a:srgbClr val="FF0000"/>
+            </a:solidFill>
+          </a:ln>
+        </p:spPr>
+        <p:style>
+          <a:lnRef idx="2">
+            <a:schemeClr val="accent1">
+              <a:shade val="50000"/>
+            </a:schemeClr>
+          </a:lnRef>
+          <a:fillRef idx="1">
+            <a:schemeClr val="accent1"/>
+          </a:fillRef>
+          <a:effectRef idx="0">
+            <a:schemeClr val="accent1"/>
+          </a:effectRef>
+          <a:fontRef idx="minor">
+            <a:schemeClr val="lt1"/>
+          </a:fontRef>
+        </p:style>
+        <p:txBody>
+          <a:bodyPr rtlCol="0" anchor="ctr"/>
+          <a:lstStyle/>
+          <a:p>
+            <a:pPr algn="ctr"/>
+            <a:endParaRPr lang="zh-CN" altLang="en-US"/>
+          </a:p>
+        </p:txBody>
+      </p:sp>
+      <p:pic>
+        <p:nvPicPr>
+          <p:cNvPr id="20" name="图片 19">
+            <a:extLst>
+              <a:ext uri="{FF2B5EF4-FFF2-40B4-BE49-F238E27FC236}">
+                <a16:creationId xmlns:a16="http://schemas.microsoft.com/office/drawing/2014/main" id="{7319E486-20C6-4151-A62F-7E36B587F36C}"/>
+              </a:ext>
+            </a:extLst>
+          </p:cNvPr>
+          <p:cNvPicPr>
+            <a:picLocks noChangeAspect="1"/>
+          </p:cNvPicPr>
+          <p:nvPr/>
+        </p:nvPicPr>
+        <p:blipFill>
+          <a:blip r:embed="rId6"/>
+          <a:stretch>
+            <a:fillRect/>
+          </a:stretch>
+        </p:blipFill>
+        <p:spPr>
+          <a:xfrm>
+            <a:off x="606878" y="3163428"/>
+            <a:ext cx="4704202" cy="3597590"/>
+          </a:xfrm>
+          <a:prstGeom prst="rect">
+            <a:avLst/>
+          </a:prstGeom>
+        </p:spPr>
+      </p:pic>
+      <p:sp>
+        <p:nvSpPr>
+          <p:cNvPr id="21" name="箭头: 直角上 20">
+            <a:extLst>
+              <a:ext uri="{FF2B5EF4-FFF2-40B4-BE49-F238E27FC236}">
+                <a16:creationId xmlns:a16="http://schemas.microsoft.com/office/drawing/2014/main" id="{069CD1D6-5179-4A2A-AF7F-560AF4D2E1E5}"/>
+              </a:ext>
+            </a:extLst>
+          </p:cNvPr>
+          <p:cNvSpPr/>
+          <p:nvPr/>
+        </p:nvSpPr>
+        <p:spPr>
+          <a:xfrm rot="16200000" flipH="1">
+            <a:off x="10594384" y="5654821"/>
+            <a:ext cx="459447" cy="668442"/>
+          </a:xfrm>
+          <a:prstGeom prst="bentUpArrow">
+            <a:avLst/>
+          </a:prstGeom>
+          <a:solidFill>
+            <a:srgbClr val="FF0000"/>
+          </a:solidFill>
+          <a:ln>
+            <a:solidFill>
+              <a:srgbClr val="FF0000"/>
+            </a:solidFill>
+          </a:ln>
+        </p:spPr>
+        <p:style>
+          <a:lnRef idx="2">
+            <a:schemeClr val="accent1">
+              <a:shade val="50000"/>
+            </a:schemeClr>
+          </a:lnRef>
+          <a:fillRef idx="1">
+            <a:schemeClr val="accent1"/>
+          </a:fillRef>
+          <a:effectRef idx="0">
+            <a:schemeClr val="accent1"/>
+          </a:effectRef>
+          <a:fontRef idx="minor">
+            <a:schemeClr val="lt1"/>
+          </a:fontRef>
+        </p:style>
+        <p:txBody>
+          <a:bodyPr rtlCol="0" anchor="ctr"/>
+          <a:lstStyle/>
+          <a:p>
+            <a:pPr algn="ctr"/>
+            <a:endParaRPr lang="zh-CN" altLang="en-US"/>
+          </a:p>
+        </p:txBody>
+      </p:sp>
+      <p:sp>
+        <p:nvSpPr>
+          <p:cNvPr id="22" name="箭头: 右 21">
+            <a:extLst>
+              <a:ext uri="{FF2B5EF4-FFF2-40B4-BE49-F238E27FC236}">
+                <a16:creationId xmlns:a16="http://schemas.microsoft.com/office/drawing/2014/main" id="{EF4CB381-002D-4279-89A1-B37A763DF7C6}"/>
+              </a:ext>
+            </a:extLst>
+          </p:cNvPr>
+          <p:cNvSpPr/>
+          <p:nvPr/>
+        </p:nvSpPr>
+        <p:spPr>
+          <a:xfrm rot="10800000">
+            <a:off x="5440281" y="5636875"/>
+            <a:ext cx="646546" cy="581891"/>
+          </a:xfrm>
+          <a:prstGeom prst="rightArrow">
+            <a:avLst/>
+          </a:prstGeom>
+          <a:solidFill>
+            <a:srgbClr val="FF0000"/>
+          </a:solidFill>
+          <a:ln>
+            <a:solidFill>
+              <a:srgbClr val="FF0000"/>
+            </a:solidFill>
+          </a:ln>
+        </p:spPr>
+        <p:style>
+          <a:lnRef idx="2">
+            <a:schemeClr val="accent1">
+              <a:shade val="50000"/>
+            </a:schemeClr>
+          </a:lnRef>
+          <a:fillRef idx="1">
+            <a:schemeClr val="accent1"/>
+          </a:fillRef>
+          <a:effectRef idx="0">
+            <a:schemeClr val="accent1"/>
+          </a:effectRef>
+          <a:fontRef idx="minor">
+            <a:schemeClr val="lt1"/>
+          </a:fontRef>
+        </p:style>
+        <p:txBody>
+          <a:bodyPr rtlCol="0" anchor="ctr"/>
+          <a:lstStyle/>
+          <a:p>
+            <a:pPr algn="ctr"/>
+            <a:endParaRPr lang="zh-CN" altLang="en-US">
+              <a:solidFill>
+                <a:srgbClr val="FF0000"/>
+              </a:solidFill>
+            </a:endParaRPr>
+          </a:p>
+        </p:txBody>
+      </p:sp>
+    </p:spTree>
+    <p:extLst>
+      <p:ext uri="{BB962C8B-B14F-4D97-AF65-F5344CB8AC3E}">
+        <p14:creationId xmlns:p14="http://schemas.microsoft.com/office/powerpoint/2010/main" val="4083958579"/>
+      </p:ext>
+    </p:extLst>
+  </p:cSld>
+  <p:clrMapOvr>
+    <a:masterClrMapping/>
+  </p:clrMapOvr>
+</p:sld>
+</file>
+
+<file path=ppt/slides/slide6.xml><?xml version="1.0" encoding="utf-8"?>
+<p:sld xmlns:a="http://schemas.openxmlformats.org/drawingml/2006/main" xmlns:r="http://schemas.openxmlformats.org/officeDocument/2006/relationships" xmlns:p="http://schemas.openxmlformats.org/presentationml/2006/main">
+  <p:cSld>
+    <p:spTree>
+      <p:nvGrpSpPr>
+        <p:cNvPr id="1" name=""/>
+        <p:cNvGrpSpPr/>
+        <p:nvPr/>
+      </p:nvGrpSpPr>
+      <p:grpSpPr>
+        <a:xfrm>
+          <a:off x="0" y="0"/>
+          <a:ext cx="0" cy="0"/>
+          <a:chOff x="0" y="0"/>
+          <a:chExt cx="0" cy="0"/>
+        </a:xfrm>
+      </p:grpSpPr>
+      <p:pic>
+        <p:nvPicPr>
+          <p:cNvPr id="3" name="图片 2">
+            <a:extLst>
+              <a:ext uri="{FF2B5EF4-FFF2-40B4-BE49-F238E27FC236}">
                 <a16:creationId xmlns:a16="http://schemas.microsoft.com/office/drawing/2014/main" id="{0283A48F-0BFD-4402-B43A-7D464D8F6461}"/>
               </a:ext>
             </a:extLst>
@@ -5076,7 +5845,7 @@
 </p:sld>
 </file>
 
-<file path=ppt/slides/slide6.xml><?xml version="1.0" encoding="utf-8"?>
+<file path=ppt/slides/slide7.xml><?xml version="1.0" encoding="utf-8"?>
 <p:sld xmlns:a="http://schemas.openxmlformats.org/drawingml/2006/main" xmlns:r="http://schemas.openxmlformats.org/officeDocument/2006/relationships" xmlns:p="http://schemas.openxmlformats.org/presentationml/2006/main">
   <p:cSld>
     <p:spTree>
@@ -5591,4 +6360,299 @@
     </a:ext>
   </a:extLst>
 </a:theme>
+</file>
+
+<file path=ppt/theme/theme2.xml><?xml version="1.0" encoding="utf-8"?>
+<a:theme xmlns:a="http://schemas.openxmlformats.org/drawingml/2006/main" name="Office 主题​​">
+  <a:themeElements>
+    <a:clrScheme name="Office">
+      <a:dk1>
+        <a:sysClr val="windowText" lastClr="000000"/>
+      </a:dk1>
+      <a:lt1>
+        <a:sysClr val="window" lastClr="FFFFFF"/>
+      </a:lt1>
+      <a:dk2>
+        <a:srgbClr val="44546A"/>
+      </a:dk2>
+      <a:lt2>
+        <a:srgbClr val="E7E6E6"/>
+      </a:lt2>
+      <a:accent1>
+        <a:srgbClr val="4472C4"/>
+      </a:accent1>
+      <a:accent2>
+        <a:srgbClr val="ED7D31"/>
+      </a:accent2>
+      <a:accent3>
+        <a:srgbClr val="A5A5A5"/>
+      </a:accent3>
+      <a:accent4>
+        <a:srgbClr val="FFC000"/>
+      </a:accent4>
+      <a:accent5>
+        <a:srgbClr val="5B9BD5"/>
+      </a:accent5>
+      <a:accent6>
+        <a:srgbClr val="70AD47"/>
+      </a:accent6>
+      <a:hlink>
+        <a:srgbClr val="0563C1"/>
+      </a:hlink>
+      <a:folHlink>
+        <a:srgbClr val="954F72"/>
+      </a:folHlink>
+    </a:clrScheme>
+    <a:fontScheme name="Office">
+      <a:majorFont>
+        <a:latin typeface="等线 Light" panose="020F0302020204030204"/>
+        <a:ea typeface=""/>
+        <a:cs typeface=""/>
+        <a:font script="Jpan" typeface="游ゴシック Light"/>
+        <a:font script="Hang" typeface="맑은 고딕"/>
+        <a:font script="Hans" typeface="等线 Light"/>
+        <a:font script="Hant" typeface="新細明體"/>
+        <a:font script="Arab" typeface="Times New Roman"/>
+        <a:font script="Hebr" typeface="Times New Roman"/>
+        <a:font script="Thai" typeface="Angsana New"/>
+        <a:font script="Ethi" typeface="Nyala"/>
+        <a:font script="Beng" typeface="Vrinda"/>
+        <a:font script="Gujr" typeface="Shruti"/>
+        <a:font script="Khmr" typeface="MoolBoran"/>
+        <a:font script="Knda" typeface="Tunga"/>
+        <a:font script="Guru" typeface="Raavi"/>
+        <a:font script="Cans" typeface="Euphemia"/>
+        <a:font script="Cher" typeface="Plantagenet Cherokee"/>
+        <a:font script="Yiii" typeface="Microsoft Yi Baiti"/>
+        <a:font script="Tibt" typeface="Microsoft Himalaya"/>
+        <a:font script="Thaa" typeface="MV Boli"/>
+        <a:font script="Deva" typeface="Mangal"/>
+        <a:font script="Telu" typeface="Gautami"/>
+        <a:font script="Taml" typeface="Latha"/>
+        <a:font script="Syrc" typeface="Estrangelo Edessa"/>
+        <a:font script="Orya" typeface="Kalinga"/>
+        <a:font script="Mlym" typeface="Kartika"/>
+        <a:font script="Laoo" typeface="DokChampa"/>
+        <a:font script="Sinh" typeface="Iskoola Pota"/>
+        <a:font script="Mong" typeface="Mongolian Baiti"/>
+        <a:font script="Viet" typeface="Times New Roman"/>
+        <a:font script="Uigh" typeface="Microsoft Uighur"/>
+        <a:font script="Geor" typeface="Sylfaen"/>
+        <a:font script="Armn" typeface="Arial"/>
+        <a:font script="Bugi" typeface="Leelawadee UI"/>
+        <a:font script="Bopo" typeface="Microsoft JhengHei"/>
+        <a:font script="Java" typeface="Javanese Text"/>
+        <a:font script="Lisu" typeface="Segoe UI"/>
+        <a:font script="Mymr" typeface="Myanmar Text"/>
+        <a:font script="Nkoo" typeface="Ebrima"/>
+        <a:font script="Olck" typeface="Nirmala UI"/>
+        <a:font script="Osma" typeface="Ebrima"/>
+        <a:font script="Phag" typeface="Phagspa"/>
+        <a:font script="Syrn" typeface="Estrangelo Edessa"/>
+        <a:font script="Syrj" typeface="Estrangelo Edessa"/>
+        <a:font script="Syre" typeface="Estrangelo Edessa"/>
+        <a:font script="Sora" typeface="Nirmala UI"/>
+        <a:font script="Tale" typeface="Microsoft Tai Le"/>
+        <a:font script="Talu" typeface="Microsoft New Tai Lue"/>
+        <a:font script="Tfng" typeface="Ebrima"/>
+      </a:majorFont>
+      <a:minorFont>
+        <a:latin typeface="等线" panose="020F0502020204030204"/>
+        <a:ea typeface=""/>
+        <a:cs typeface=""/>
+        <a:font script="Jpan" typeface="游ゴシック"/>
+        <a:font script="Hang" typeface="맑은 고딕"/>
+        <a:font script="Hans" typeface="等线"/>
+        <a:font script="Hant" typeface="新細明體"/>
+        <a:font script="Arab" typeface="Arial"/>
+        <a:font script="Hebr" typeface="Arial"/>
+        <a:font script="Thai" typeface="Cordia New"/>
+        <a:font script="Ethi" typeface="Nyala"/>
+        <a:font script="Beng" typeface="Vrinda"/>
+        <a:font script="Gujr" typeface="Shruti"/>
+        <a:font script="Khmr" typeface="DaunPenh"/>
+        <a:font script="Knda" typeface="Tunga"/>
+        <a:font script="Guru" typeface="Raavi"/>
+        <a:font script="Cans" typeface="Euphemia"/>
+        <a:font script="Cher" typeface="Plantagenet Cherokee"/>
+        <a:font script="Yiii" typeface="Microsoft Yi Baiti"/>
+        <a:font script="Tibt" typeface="Microsoft Himalaya"/>
+        <a:font script="Thaa" typeface="MV Boli"/>
+        <a:font script="Deva" typeface="Mangal"/>
+        <a:font script="Telu" typeface="Gautami"/>
+        <a:font script="Taml" typeface="Latha"/>
+        <a:font script="Syrc" typeface="Estrangelo Edessa"/>
+        <a:font script="Orya" typeface="Kalinga"/>
+        <a:font script="Mlym" typeface="Kartika"/>
+        <a:font script="Laoo" typeface="DokChampa"/>
+        <a:font script="Sinh" typeface="Iskoola Pota"/>
+        <a:font script="Mong" typeface="Mongolian Baiti"/>
+        <a:font script="Viet" typeface="Arial"/>
+        <a:font script="Uigh" typeface="Microsoft Uighur"/>
+        <a:font script="Geor" typeface="Sylfaen"/>
+        <a:font script="Armn" typeface="Arial"/>
+        <a:font script="Bugi" typeface="Leelawadee UI"/>
+        <a:font script="Bopo" typeface="Microsoft JhengHei"/>
+        <a:font script="Java" typeface="Javanese Text"/>
+        <a:font script="Lisu" typeface="Segoe UI"/>
+        <a:font script="Mymr" typeface="Myanmar Text"/>
+        <a:font script="Nkoo" typeface="Ebrima"/>
+        <a:font script="Olck" typeface="Nirmala UI"/>
+        <a:font script="Osma" typeface="Ebrima"/>
+        <a:font script="Phag" typeface="Phagspa"/>
+        <a:font script="Syrn" typeface="Estrangelo Edessa"/>
+        <a:font script="Syrj" typeface="Estrangelo Edessa"/>
+        <a:font script="Syre" typeface="Estrangelo Edessa"/>
+        <a:font script="Sora" typeface="Nirmala UI"/>
+        <a:font script="Tale" typeface="Microsoft Tai Le"/>
+        <a:font script="Talu" typeface="Microsoft New Tai Lue"/>
+        <a:font script="Tfng" typeface="Ebrima"/>
+      </a:minorFont>
+    </a:fontScheme>
+    <a:fmtScheme name="Office">
+      <a:fillStyleLst>
+        <a:solidFill>
+          <a:schemeClr val="phClr"/>
+        </a:solidFill>
+        <a:gradFill rotWithShape="1">
+          <a:gsLst>
+            <a:gs pos="0">
+              <a:schemeClr val="phClr">
+                <a:lumMod val="110000"/>
+                <a:satMod val="105000"/>
+                <a:tint val="67000"/>
+              </a:schemeClr>
+            </a:gs>
+            <a:gs pos="50000">
+              <a:schemeClr val="phClr">
+                <a:lumMod val="105000"/>
+                <a:satMod val="103000"/>
+                <a:tint val="73000"/>
+              </a:schemeClr>
+            </a:gs>
+            <a:gs pos="100000">
+              <a:schemeClr val="phClr">
+                <a:lumMod val="105000"/>
+                <a:satMod val="109000"/>
+                <a:tint val="81000"/>
+              </a:schemeClr>
+            </a:gs>
+          </a:gsLst>
+          <a:lin ang="5400000" scaled="0"/>
+        </a:gradFill>
+        <a:gradFill rotWithShape="1">
+          <a:gsLst>
+            <a:gs pos="0">
+              <a:schemeClr val="phClr">
+                <a:satMod val="103000"/>
+                <a:lumMod val="102000"/>
+                <a:tint val="94000"/>
+              </a:schemeClr>
+            </a:gs>
+            <a:gs pos="50000">
+              <a:schemeClr val="phClr">
+                <a:satMod val="110000"/>
+                <a:lumMod val="100000"/>
+                <a:shade val="100000"/>
+              </a:schemeClr>
+            </a:gs>
+            <a:gs pos="100000">
+              <a:schemeClr val="phClr">
+                <a:lumMod val="99000"/>
+                <a:satMod val="120000"/>
+                <a:shade val="78000"/>
+              </a:schemeClr>
+            </a:gs>
+          </a:gsLst>
+          <a:lin ang="5400000" scaled="0"/>
+        </a:gradFill>
+      </a:fillStyleLst>
+      <a:lnStyleLst>
+        <a:ln w="6350" cap="flat" cmpd="sng" algn="ctr">
+          <a:solidFill>
+            <a:schemeClr val="phClr"/>
+          </a:solidFill>
+          <a:prstDash val="solid"/>
+          <a:miter lim="800000"/>
+        </a:ln>
+        <a:ln w="12700" cap="flat" cmpd="sng" algn="ctr">
+          <a:solidFill>
+            <a:schemeClr val="phClr"/>
+          </a:solidFill>
+          <a:prstDash val="solid"/>
+          <a:miter lim="800000"/>
+        </a:ln>
+        <a:ln w="19050" cap="flat" cmpd="sng" algn="ctr">
+          <a:solidFill>
+            <a:schemeClr val="phClr"/>
+          </a:solidFill>
+          <a:prstDash val="solid"/>
+          <a:miter lim="800000"/>
+        </a:ln>
+      </a:lnStyleLst>
+      <a:effectStyleLst>
+        <a:effectStyle>
+          <a:effectLst/>
+        </a:effectStyle>
+        <a:effectStyle>
+          <a:effectLst/>
+        </a:effectStyle>
+        <a:effectStyle>
+          <a:effectLst>
+            <a:outerShdw blurRad="57150" dist="19050" dir="5400000" algn="ctr" rotWithShape="0">
+              <a:srgbClr val="000000">
+                <a:alpha val="63000"/>
+              </a:srgbClr>
+            </a:outerShdw>
+          </a:effectLst>
+        </a:effectStyle>
+      </a:effectStyleLst>
+      <a:bgFillStyleLst>
+        <a:solidFill>
+          <a:schemeClr val="phClr"/>
+        </a:solidFill>
+        <a:solidFill>
+          <a:schemeClr val="phClr">
+            <a:tint val="95000"/>
+            <a:satMod val="170000"/>
+          </a:schemeClr>
+        </a:solidFill>
+        <a:gradFill rotWithShape="1">
+          <a:gsLst>
+            <a:gs pos="0">
+              <a:schemeClr val="phClr">
+                <a:tint val="93000"/>
+                <a:satMod val="150000"/>
+                <a:shade val="98000"/>
+                <a:lumMod val="102000"/>
+              </a:schemeClr>
+            </a:gs>
+            <a:gs pos="50000">
+              <a:schemeClr val="phClr">
+                <a:tint val="98000"/>
+                <a:satMod val="130000"/>
+                <a:shade val="90000"/>
+                <a:lumMod val="103000"/>
+              </a:schemeClr>
+            </a:gs>
+            <a:gs pos="100000">
+              <a:schemeClr val="phClr">
+                <a:shade val="63000"/>
+                <a:satMod val="120000"/>
+              </a:schemeClr>
+            </a:gs>
+          </a:gsLst>
+          <a:lin ang="5400000" scaled="0"/>
+        </a:gradFill>
+      </a:bgFillStyleLst>
+    </a:fmtScheme>
+  </a:themeElements>
+  <a:objectDefaults/>
+  <a:extraClrSchemeLst/>
+  <a:extLst>
+    <a:ext uri="{05A4C25C-085E-4340-85A3-A5531E510DB2}">
+      <thm15:themeFamily xmlns:thm15="http://schemas.microsoft.com/office/thememl/2012/main" name="Office Theme" id="{62F939B6-93AF-4DB8-9C6B-D6C7DFDC589F}" vid="{4A3C46E8-61CC-4603-A589-7422A47A8E4A}"/>
+    </a:ext>
+  </a:extLst>
+</a:theme>
 </file>